--- a/reports/Presentation power point.pptx
+++ b/reports/Presentation power point.pptx
@@ -10,15 +10,18 @@
     <p:sldId id="258" r:id="rId4"/>
     <p:sldId id="259" r:id="rId5"/>
     <p:sldId id="260" r:id="rId6"/>
-    <p:sldId id="269" r:id="rId7"/>
-    <p:sldId id="262" r:id="rId8"/>
-    <p:sldId id="263" r:id="rId9"/>
-    <p:sldId id="264" r:id="rId10"/>
-    <p:sldId id="265" r:id="rId11"/>
-    <p:sldId id="266" r:id="rId12"/>
-    <p:sldId id="267" r:id="rId13"/>
-    <p:sldId id="268" r:id="rId14"/>
-    <p:sldId id="270" r:id="rId15"/>
+    <p:sldId id="275" r:id="rId7"/>
+    <p:sldId id="272" r:id="rId8"/>
+    <p:sldId id="274" r:id="rId9"/>
+    <p:sldId id="269" r:id="rId10"/>
+    <p:sldId id="277" r:id="rId11"/>
+    <p:sldId id="276" r:id="rId12"/>
+    <p:sldId id="264" r:id="rId13"/>
+    <p:sldId id="265" r:id="rId14"/>
+    <p:sldId id="266" r:id="rId15"/>
+    <p:sldId id="267" r:id="rId16"/>
+    <p:sldId id="268" r:id="rId17"/>
+    <p:sldId id="270" r:id="rId18"/>
   </p:sldIdLst>
   <p:sldSz cx="12192000" cy="6858000"/>
   <p:notesSz cx="6858000" cy="9144000"/>
@@ -117,6 +120,11 @@
       </a:defRPr>
     </a:lvl9pPr>
   </p:defaultTextStyle>
+  <p:extLst>
+    <p:ext uri="{EFAFB233-063F-42B5-8137-9DF3F51BA10A}">
+      <p15:sldGuideLst xmlns:p15="http://schemas.microsoft.com/office/powerpoint/2012/main"/>
+    </p:ext>
+  </p:extLst>
 </p:presentation>
 </file>
 
@@ -267,7 +275,7 @@
           <a:p>
             <a:fld id="{4C9007D8-B524-4AF9-AD63-F448B25CDA86}" type="datetimeFigureOut">
               <a:rPr lang="en-US" smtClean="0"/>
-              <a:t>5/6/2021</a:t>
+              <a:t>5/7/2021</a:t>
             </a:fld>
             <a:endParaRPr lang="en-US"/>
           </a:p>
@@ -465,7 +473,7 @@
           <a:p>
             <a:fld id="{4C9007D8-B524-4AF9-AD63-F448B25CDA86}" type="datetimeFigureOut">
               <a:rPr lang="en-US" smtClean="0"/>
-              <a:t>5/6/2021</a:t>
+              <a:t>5/7/2021</a:t>
             </a:fld>
             <a:endParaRPr lang="en-US"/>
           </a:p>
@@ -673,7 +681,7 @@
           <a:p>
             <a:fld id="{4C9007D8-B524-4AF9-AD63-F448B25CDA86}" type="datetimeFigureOut">
               <a:rPr lang="en-US" smtClean="0"/>
-              <a:t>5/6/2021</a:t>
+              <a:t>5/7/2021</a:t>
             </a:fld>
             <a:endParaRPr lang="en-US"/>
           </a:p>
@@ -871,7 +879,7 @@
           <a:p>
             <a:fld id="{4C9007D8-B524-4AF9-AD63-F448B25CDA86}" type="datetimeFigureOut">
               <a:rPr lang="en-US" smtClean="0"/>
-              <a:t>5/6/2021</a:t>
+              <a:t>5/7/2021</a:t>
             </a:fld>
             <a:endParaRPr lang="en-US"/>
           </a:p>
@@ -1146,7 +1154,7 @@
           <a:p>
             <a:fld id="{4C9007D8-B524-4AF9-AD63-F448B25CDA86}" type="datetimeFigureOut">
               <a:rPr lang="en-US" smtClean="0"/>
-              <a:t>5/6/2021</a:t>
+              <a:t>5/7/2021</a:t>
             </a:fld>
             <a:endParaRPr lang="en-US"/>
           </a:p>
@@ -1411,7 +1419,7 @@
           <a:p>
             <a:fld id="{4C9007D8-B524-4AF9-AD63-F448B25CDA86}" type="datetimeFigureOut">
               <a:rPr lang="en-US" smtClean="0"/>
-              <a:t>5/6/2021</a:t>
+              <a:t>5/7/2021</a:t>
             </a:fld>
             <a:endParaRPr lang="en-US"/>
           </a:p>
@@ -1823,7 +1831,7 @@
           <a:p>
             <a:fld id="{4C9007D8-B524-4AF9-AD63-F448B25CDA86}" type="datetimeFigureOut">
               <a:rPr lang="en-US" smtClean="0"/>
-              <a:t>5/6/2021</a:t>
+              <a:t>5/7/2021</a:t>
             </a:fld>
             <a:endParaRPr lang="en-US"/>
           </a:p>
@@ -1964,7 +1972,7 @@
           <a:p>
             <a:fld id="{4C9007D8-B524-4AF9-AD63-F448B25CDA86}" type="datetimeFigureOut">
               <a:rPr lang="en-US" smtClean="0"/>
-              <a:t>5/6/2021</a:t>
+              <a:t>5/7/2021</a:t>
             </a:fld>
             <a:endParaRPr lang="en-US"/>
           </a:p>
@@ -2077,7 +2085,7 @@
           <a:p>
             <a:fld id="{4C9007D8-B524-4AF9-AD63-F448B25CDA86}" type="datetimeFigureOut">
               <a:rPr lang="en-US" smtClean="0"/>
-              <a:t>5/6/2021</a:t>
+              <a:t>5/7/2021</a:t>
             </a:fld>
             <a:endParaRPr lang="en-US"/>
           </a:p>
@@ -2388,7 +2396,7 @@
           <a:p>
             <a:fld id="{4C9007D8-B524-4AF9-AD63-F448B25CDA86}" type="datetimeFigureOut">
               <a:rPr lang="en-US" smtClean="0"/>
-              <a:t>5/6/2021</a:t>
+              <a:t>5/7/2021</a:t>
             </a:fld>
             <a:endParaRPr lang="en-US"/>
           </a:p>
@@ -2676,7 +2684,7 @@
           <a:p>
             <a:fld id="{4C9007D8-B524-4AF9-AD63-F448B25CDA86}" type="datetimeFigureOut">
               <a:rPr lang="en-US" smtClean="0"/>
-              <a:t>5/6/2021</a:t>
+              <a:t>5/7/2021</a:t>
             </a:fld>
             <a:endParaRPr lang="en-US"/>
           </a:p>
@@ -2917,7 +2925,7 @@
           <a:p>
             <a:fld id="{4C9007D8-B524-4AF9-AD63-F448B25CDA86}" type="datetimeFigureOut">
               <a:rPr lang="en-US" smtClean="0"/>
-              <a:t>5/6/2021</a:t>
+              <a:t>5/7/2021</a:t>
             </a:fld>
             <a:endParaRPr lang="en-US"/>
           </a:p>
@@ -3420,6 +3428,298 @@
           <a:chExt cx="0" cy="0"/>
         </a:xfrm>
       </p:grpSpPr>
+      <p:sp>
+        <p:nvSpPr>
+          <p:cNvPr id="2" name="Title 1">
+            <a:extLst>
+              <a:ext uri="{FF2B5EF4-FFF2-40B4-BE49-F238E27FC236}">
+                <a16:creationId xmlns:a16="http://schemas.microsoft.com/office/drawing/2014/main" id="{118B59A2-7936-47CC-A48E-D0712986D2BA}"/>
+              </a:ext>
+            </a:extLst>
+          </p:cNvPr>
+          <p:cNvSpPr>
+            <a:spLocks noGrp="1"/>
+          </p:cNvSpPr>
+          <p:nvPr>
+            <p:ph type="title"/>
+          </p:nvPr>
+        </p:nvSpPr>
+        <p:spPr/>
+        <p:txBody>
+          <a:bodyPr/>
+          <a:lstStyle/>
+          <a:p>
+            <a:r>
+              <a:rPr lang="en-US" dirty="0"/>
+              <a:t>The below plot shows the </a:t>
+            </a:r>
+          </a:p>
+        </p:txBody>
+      </p:sp>
+      <p:sp>
+        <p:nvSpPr>
+          <p:cNvPr id="3" name="Content Placeholder 2">
+            <a:extLst>
+              <a:ext uri="{FF2B5EF4-FFF2-40B4-BE49-F238E27FC236}">
+                <a16:creationId xmlns:a16="http://schemas.microsoft.com/office/drawing/2014/main" id="{960F2FA3-C353-4FDA-B1D8-ACE10D1A7C85}"/>
+              </a:ext>
+            </a:extLst>
+          </p:cNvPr>
+          <p:cNvSpPr>
+            <a:spLocks noGrp="1"/>
+          </p:cNvSpPr>
+          <p:nvPr>
+            <p:ph idx="1"/>
+          </p:nvPr>
+        </p:nvSpPr>
+        <p:spPr/>
+        <p:txBody>
+          <a:bodyPr/>
+          <a:lstStyle/>
+          <a:p>
+            <a:r>
+              <a:rPr lang="en-US" dirty="0"/>
+              <a:t>The below plot shows the monthly sale by department store </a:t>
+            </a:r>
+          </a:p>
+        </p:txBody>
+      </p:sp>
+      <p:pic>
+        <p:nvPicPr>
+          <p:cNvPr id="7" name="Picture 6">
+            <a:extLst>
+              <a:ext uri="{FF2B5EF4-FFF2-40B4-BE49-F238E27FC236}">
+                <a16:creationId xmlns:a16="http://schemas.microsoft.com/office/drawing/2014/main" id="{4AC49C0C-9004-4B5B-9A49-EC279D3765A3}"/>
+              </a:ext>
+            </a:extLst>
+          </p:cNvPr>
+          <p:cNvPicPr>
+            <a:picLocks noChangeAspect="1"/>
+          </p:cNvPicPr>
+          <p:nvPr/>
+        </p:nvPicPr>
+        <p:blipFill>
+          <a:blip r:embed="rId2"/>
+          <a:stretch>
+            <a:fillRect/>
+          </a:stretch>
+        </p:blipFill>
+        <p:spPr>
+          <a:xfrm>
+            <a:off x="3320966" y="2633663"/>
+            <a:ext cx="4619625" cy="3543300"/>
+          </a:xfrm>
+          <a:prstGeom prst="rect">
+            <a:avLst/>
+          </a:prstGeom>
+        </p:spPr>
+      </p:pic>
+    </p:spTree>
+    <p:extLst>
+      <p:ext uri="{BB962C8B-B14F-4D97-AF65-F5344CB8AC3E}">
+        <p14:creationId xmlns:p14="http://schemas.microsoft.com/office/powerpoint/2010/main" val="3108446970"/>
+      </p:ext>
+    </p:extLst>
+  </p:cSld>
+  <p:clrMapOvr>
+    <a:masterClrMapping/>
+  </p:clrMapOvr>
+</p:sld>
+</file>
+
+<file path=ppt/slides/slide11.xml><?xml version="1.0" encoding="utf-8"?>
+<p:sld xmlns:a="http://schemas.openxmlformats.org/drawingml/2006/main" xmlns:r="http://schemas.openxmlformats.org/officeDocument/2006/relationships" xmlns:p="http://schemas.openxmlformats.org/presentationml/2006/main">
+  <p:cSld>
+    <p:spTree>
+      <p:nvGrpSpPr>
+        <p:cNvPr id="1" name=""/>
+        <p:cNvGrpSpPr/>
+        <p:nvPr/>
+      </p:nvGrpSpPr>
+      <p:grpSpPr>
+        <a:xfrm>
+          <a:off x="0" y="0"/>
+          <a:ext cx="0" cy="0"/>
+          <a:chOff x="0" y="0"/>
+          <a:chExt cx="0" cy="0"/>
+        </a:xfrm>
+      </p:grpSpPr>
+      <p:sp>
+        <p:nvSpPr>
+          <p:cNvPr id="2" name="Title 1">
+            <a:extLst>
+              <a:ext uri="{FF2B5EF4-FFF2-40B4-BE49-F238E27FC236}">
+                <a16:creationId xmlns:a16="http://schemas.microsoft.com/office/drawing/2014/main" id="{4D4555A7-BE99-424D-9E55-6B426AF6D965}"/>
+              </a:ext>
+            </a:extLst>
+          </p:cNvPr>
+          <p:cNvSpPr>
+            <a:spLocks noGrp="1"/>
+          </p:cNvSpPr>
+          <p:nvPr>
+            <p:ph type="title"/>
+          </p:nvPr>
+        </p:nvSpPr>
+        <p:spPr/>
+        <p:txBody>
+          <a:bodyPr/>
+          <a:lstStyle/>
+          <a:p>
+            <a:r>
+              <a:rPr lang="en-US" sz="4400" dirty="0">
+                <a:latin typeface="Calibri" panose="020F0502020204030204" pitchFamily="34" charset="0"/>
+                <a:cs typeface="Times New Roman" panose="02020603050405020304" pitchFamily="18" charset="0"/>
+              </a:rPr>
+              <a:t>Conclusion</a:t>
+            </a:r>
+            <a:br>
+              <a:rPr lang="en-US" sz="4400" dirty="0">
+                <a:latin typeface="Calibri" panose="020F0502020204030204" pitchFamily="34" charset="0"/>
+                <a:cs typeface="Times New Roman" panose="02020603050405020304" pitchFamily="18" charset="0"/>
+              </a:rPr>
+            </a:br>
+            <a:endParaRPr lang="en-US" dirty="0"/>
+          </a:p>
+        </p:txBody>
+      </p:sp>
+      <p:sp>
+        <p:nvSpPr>
+          <p:cNvPr id="3" name="Content Placeholder 2">
+            <a:extLst>
+              <a:ext uri="{FF2B5EF4-FFF2-40B4-BE49-F238E27FC236}">
+                <a16:creationId xmlns:a16="http://schemas.microsoft.com/office/drawing/2014/main" id="{C6B536DA-78F9-4A3B-A858-E777432A0D0E}"/>
+              </a:ext>
+            </a:extLst>
+          </p:cNvPr>
+          <p:cNvSpPr>
+            <a:spLocks noGrp="1"/>
+          </p:cNvSpPr>
+          <p:nvPr>
+            <p:ph idx="1"/>
+          </p:nvPr>
+        </p:nvSpPr>
+        <p:spPr/>
+        <p:txBody>
+          <a:bodyPr/>
+          <a:lstStyle/>
+          <a:p>
+            <a:endParaRPr lang="en-US" dirty="0"/>
+          </a:p>
+        </p:txBody>
+      </p:sp>
+    </p:spTree>
+    <p:extLst>
+      <p:ext uri="{BB962C8B-B14F-4D97-AF65-F5344CB8AC3E}">
+        <p14:creationId xmlns:p14="http://schemas.microsoft.com/office/powerpoint/2010/main" val="4237820923"/>
+      </p:ext>
+    </p:extLst>
+  </p:cSld>
+  <p:clrMapOvr>
+    <a:masterClrMapping/>
+  </p:clrMapOvr>
+</p:sld>
+</file>
+
+<file path=ppt/slides/slide12.xml><?xml version="1.0" encoding="utf-8"?>
+<p:sld xmlns:a="http://schemas.openxmlformats.org/drawingml/2006/main" xmlns:r="http://schemas.openxmlformats.org/officeDocument/2006/relationships" xmlns:p="http://schemas.openxmlformats.org/presentationml/2006/main">
+  <p:cSld>
+    <p:spTree>
+      <p:nvGrpSpPr>
+        <p:cNvPr id="1" name=""/>
+        <p:cNvGrpSpPr/>
+        <p:nvPr/>
+      </p:nvGrpSpPr>
+      <p:grpSpPr>
+        <a:xfrm>
+          <a:off x="0" y="0"/>
+          <a:ext cx="0" cy="0"/>
+          <a:chOff x="0" y="0"/>
+          <a:chExt cx="0" cy="0"/>
+        </a:xfrm>
+      </p:grpSpPr>
+      <p:sp>
+        <p:nvSpPr>
+          <p:cNvPr id="2" name="Title 1">
+            <a:extLst>
+              <a:ext uri="{FF2B5EF4-FFF2-40B4-BE49-F238E27FC236}">
+                <a16:creationId xmlns:a16="http://schemas.microsoft.com/office/drawing/2014/main" id="{E1F3D856-B050-432B-9DAC-1D8AD032113D}"/>
+              </a:ext>
+            </a:extLst>
+          </p:cNvPr>
+          <p:cNvSpPr>
+            <a:spLocks noGrp="1"/>
+          </p:cNvSpPr>
+          <p:nvPr>
+            <p:ph type="title"/>
+          </p:nvPr>
+        </p:nvSpPr>
+        <p:spPr/>
+        <p:txBody>
+          <a:bodyPr/>
+          <a:lstStyle/>
+          <a:p>
+            <a:r>
+              <a:rPr lang="en-US" dirty="0"/>
+              <a:t>Frank </a:t>
+            </a:r>
+          </a:p>
+        </p:txBody>
+      </p:sp>
+      <p:sp>
+        <p:nvSpPr>
+          <p:cNvPr id="3" name="Content Placeholder 2">
+            <a:extLst>
+              <a:ext uri="{FF2B5EF4-FFF2-40B4-BE49-F238E27FC236}">
+                <a16:creationId xmlns:a16="http://schemas.microsoft.com/office/drawing/2014/main" id="{B2E48045-3E03-447A-A8C6-BC9537EF17F5}"/>
+              </a:ext>
+            </a:extLst>
+          </p:cNvPr>
+          <p:cNvSpPr>
+            <a:spLocks noGrp="1"/>
+          </p:cNvSpPr>
+          <p:nvPr>
+            <p:ph idx="1"/>
+          </p:nvPr>
+        </p:nvSpPr>
+        <p:spPr/>
+        <p:txBody>
+          <a:bodyPr/>
+          <a:lstStyle/>
+          <a:p>
+            <a:endParaRPr lang="en-US"/>
+          </a:p>
+        </p:txBody>
+      </p:sp>
+    </p:spTree>
+    <p:extLst>
+      <p:ext uri="{BB962C8B-B14F-4D97-AF65-F5344CB8AC3E}">
+        <p14:creationId xmlns:p14="http://schemas.microsoft.com/office/powerpoint/2010/main" val="4035942740"/>
+      </p:ext>
+    </p:extLst>
+  </p:cSld>
+  <p:clrMapOvr>
+    <a:masterClrMapping/>
+  </p:clrMapOvr>
+</p:sld>
+</file>
+
+<file path=ppt/slides/slide13.xml><?xml version="1.0" encoding="utf-8"?>
+<p:sld xmlns:a="http://schemas.openxmlformats.org/drawingml/2006/main" xmlns:r="http://schemas.openxmlformats.org/officeDocument/2006/relationships" xmlns:p="http://schemas.openxmlformats.org/presentationml/2006/main">
+  <p:cSld>
+    <p:spTree>
+      <p:nvGrpSpPr>
+        <p:cNvPr id="1" name=""/>
+        <p:cNvGrpSpPr/>
+        <p:nvPr/>
+      </p:nvGrpSpPr>
+      <p:grpSpPr>
+        <a:xfrm>
+          <a:off x="0" y="0"/>
+          <a:ext cx="0" cy="0"/>
+          <a:chOff x="0" y="0"/>
+          <a:chExt cx="0" cy="0"/>
+        </a:xfrm>
+      </p:grpSpPr>
     </p:spTree>
     <p:extLst>
       <p:ext uri="{BB962C8B-B14F-4D97-AF65-F5344CB8AC3E}">
@@ -3433,7 +3733,7 @@
 </p:sld>
 </file>
 
-<file path=ppt/slides/slide11.xml><?xml version="1.0" encoding="utf-8"?>
+<file path=ppt/slides/slide14.xml><?xml version="1.0" encoding="utf-8"?>
 <p:sld xmlns:a="http://schemas.openxmlformats.org/drawingml/2006/main" xmlns:r="http://schemas.openxmlformats.org/officeDocument/2006/relationships" xmlns:p="http://schemas.openxmlformats.org/presentationml/2006/main">
   <p:cSld>
     <p:spTree>
@@ -3463,7 +3763,7 @@
 </p:sld>
 </file>
 
-<file path=ppt/slides/slide12.xml><?xml version="1.0" encoding="utf-8"?>
+<file path=ppt/slides/slide15.xml><?xml version="1.0" encoding="utf-8"?>
 <p:sld xmlns:a="http://schemas.openxmlformats.org/drawingml/2006/main" xmlns:r="http://schemas.openxmlformats.org/officeDocument/2006/relationships" xmlns:p="http://schemas.openxmlformats.org/presentationml/2006/main">
   <p:cSld>
     <p:spTree>
@@ -3493,7 +3793,7 @@
 </p:sld>
 </file>
 
-<file path=ppt/slides/slide13.xml><?xml version="1.0" encoding="utf-8"?>
+<file path=ppt/slides/slide16.xml><?xml version="1.0" encoding="utf-8"?>
 <p:sld xmlns:a="http://schemas.openxmlformats.org/drawingml/2006/main" xmlns:r="http://schemas.openxmlformats.org/officeDocument/2006/relationships" xmlns:p="http://schemas.openxmlformats.org/presentationml/2006/main">
   <p:cSld>
     <p:spTree>
@@ -3523,7 +3823,7 @@
 </p:sld>
 </file>
 
-<file path=ppt/slides/slide14.xml><?xml version="1.0" encoding="utf-8"?>
+<file path=ppt/slides/slide17.xml><?xml version="1.0" encoding="utf-8"?>
 <p:sld xmlns:a="http://schemas.openxmlformats.org/drawingml/2006/main" xmlns:r="http://schemas.openxmlformats.org/officeDocument/2006/relationships" xmlns:p="http://schemas.openxmlformats.org/presentationml/2006/main">
   <p:cSld>
     <p:spTree>
@@ -3825,12 +4125,12 @@
                 <a:ea typeface="Calibri" panose="020F0502020204030204" pitchFamily="34" charset="0"/>
                 <a:cs typeface="Times New Roman" panose="02020603050405020304" pitchFamily="18" charset="0"/>
               </a:rPr>
-              <a:t>Pandemic affected the whole word and not just the retail. </a:t>
-            </a:r>
-          </a:p>
-          <a:p>
-            <a:r>
-              <a:rPr lang="en-US" sz="1800" dirty="0">
+              <a:t>Pandemic affected the whole world and not just the retail. </a:t>
+            </a:r>
+          </a:p>
+          <a:p>
+            <a:r>
+              <a:rPr lang="en-US" sz="1800" i="1" dirty="0">
                 <a:latin typeface="Calibri" panose="020F0502020204030204" pitchFamily="34" charset="0"/>
                 <a:ea typeface="Calibri" panose="020F0502020204030204" pitchFamily="34" charset="0"/>
                 <a:cs typeface="Times New Roman" panose="02020603050405020304" pitchFamily="18" charset="0"/>
@@ -3853,7 +4153,7 @@
               <a:buAutoNum type="arabicPeriod"/>
             </a:pPr>
             <a:r>
-              <a:rPr lang="en-US" sz="1000" b="1" dirty="0" err="1">
+              <a:rPr lang="en-US" sz="1000" b="1" i="1" dirty="0" err="1">
                 <a:latin typeface="Calibri" panose="020F0502020204030204" pitchFamily="34" charset="0"/>
                 <a:ea typeface="Calibri" panose="020F0502020204030204" pitchFamily="34" charset="0"/>
                 <a:cs typeface="Times New Roman" panose="02020603050405020304" pitchFamily="18" charset="0"/>
@@ -3861,7 +4161,7 @@
               <a:t>D</a:t>
             </a:r>
             <a:r>
-              <a:rPr lang="en-US" sz="1000" b="1" dirty="0" err="1">
+              <a:rPr lang="en-US" sz="1000" b="1" i="1" dirty="0" err="1">
                 <a:effectLst/>
                 <a:latin typeface="Calibri" panose="020F0502020204030204" pitchFamily="34" charset="0"/>
                 <a:ea typeface="Calibri" panose="020F0502020204030204" pitchFamily="34" charset="0"/>
@@ -3870,7 +4170,7 @@
               <a:t>epartment_Stores</a:t>
             </a:r>
             <a:r>
-              <a:rPr lang="en-US" sz="1000" b="1" dirty="0">
+              <a:rPr lang="en-US" sz="1000" b="1" i="1" dirty="0">
                 <a:effectLst/>
                 <a:latin typeface="Calibri" panose="020F0502020204030204" pitchFamily="34" charset="0"/>
                 <a:ea typeface="Calibri" panose="020F0502020204030204" pitchFamily="34" charset="0"/>
@@ -3894,7 +4194,7 @@
               <a:buAutoNum type="arabicPeriod"/>
             </a:pPr>
             <a:r>
-              <a:rPr lang="en-US" sz="1000" b="1" dirty="0" err="1">
+              <a:rPr lang="en-US" sz="1000" b="1" i="1" dirty="0" err="1">
                 <a:effectLst/>
                 <a:latin typeface="Calibri" panose="020F0502020204030204" pitchFamily="34" charset="0"/>
                 <a:ea typeface="Calibri" panose="020F0502020204030204" pitchFamily="34" charset="0"/>
@@ -3903,7 +4203,7 @@
               <a:t>Electronics_Appli</a:t>
             </a:r>
             <a:r>
-              <a:rPr lang="en-US" sz="1000" b="1" dirty="0">
+              <a:rPr lang="en-US" sz="1000" b="1" i="1" dirty="0">
                 <a:effectLst/>
                 <a:latin typeface="Calibri" panose="020F0502020204030204" pitchFamily="34" charset="0"/>
                 <a:ea typeface="Calibri" panose="020F0502020204030204" pitchFamily="34" charset="0"/>
@@ -3927,7 +4227,7 @@
               <a:buAutoNum type="arabicPeriod"/>
             </a:pPr>
             <a:r>
-              <a:rPr lang="en-US" sz="1000" b="1" dirty="0" err="1">
+              <a:rPr lang="en-US" sz="1000" b="1" i="1" dirty="0" err="1">
                 <a:effectLst/>
                 <a:latin typeface="Calibri" panose="020F0502020204030204" pitchFamily="34" charset="0"/>
                 <a:ea typeface="Calibri" panose="020F0502020204030204" pitchFamily="34" charset="0"/>
@@ -3936,7 +4236,7 @@
               <a:t>Food_Serv_Drink</a:t>
             </a:r>
             <a:r>
-              <a:rPr lang="en-US" sz="1000" b="1" dirty="0">
+              <a:rPr lang="en-US" sz="1000" b="1" i="1" dirty="0">
                 <a:effectLst/>
                 <a:latin typeface="Calibri" panose="020F0502020204030204" pitchFamily="34" charset="0"/>
                 <a:ea typeface="Calibri" panose="020F0502020204030204" pitchFamily="34" charset="0"/>
@@ -3960,7 +4260,7 @@
               <a:buAutoNum type="arabicPeriod"/>
             </a:pPr>
             <a:r>
-              <a:rPr lang="en-US" sz="1000" b="1" dirty="0" err="1">
+              <a:rPr lang="en-US" sz="1000" b="1" i="1" dirty="0" err="1">
                 <a:effectLst/>
                 <a:latin typeface="Calibri" panose="020F0502020204030204" pitchFamily="34" charset="0"/>
                 <a:ea typeface="Calibri" panose="020F0502020204030204" pitchFamily="34" charset="0"/>
@@ -3969,7 +4269,7 @@
               <a:t>Food_Beverage</a:t>
             </a:r>
             <a:r>
-              <a:rPr lang="en-US" sz="1000" b="1" dirty="0">
+              <a:rPr lang="en-US" sz="1000" b="1" i="1" dirty="0">
                 <a:effectLst/>
                 <a:latin typeface="Calibri" panose="020F0502020204030204" pitchFamily="34" charset="0"/>
                 <a:ea typeface="Calibri" panose="020F0502020204030204" pitchFamily="34" charset="0"/>
@@ -3993,7 +4293,7 @@
               <a:buAutoNum type="arabicPeriod"/>
             </a:pPr>
             <a:r>
-              <a:rPr lang="en-US" sz="1000" b="1" dirty="0" err="1">
+              <a:rPr lang="en-US" sz="1000" b="1" i="1" dirty="0" err="1">
                 <a:effectLst/>
                 <a:latin typeface="Calibri" panose="020F0502020204030204" pitchFamily="34" charset="0"/>
                 <a:ea typeface="Calibri" panose="020F0502020204030204" pitchFamily="34" charset="0"/>
@@ -4002,7 +4302,7 @@
               <a:t>Furniture_HomeFurnis</a:t>
             </a:r>
             <a:r>
-              <a:rPr lang="en-US" sz="1000" b="1" dirty="0">
+              <a:rPr lang="en-US" sz="1000" b="1" i="1" dirty="0">
                 <a:effectLst/>
                 <a:latin typeface="Calibri" panose="020F0502020204030204" pitchFamily="34" charset="0"/>
                 <a:ea typeface="Calibri" panose="020F0502020204030204" pitchFamily="34" charset="0"/>
@@ -4026,7 +4326,7 @@
               <a:buAutoNum type="arabicPeriod"/>
             </a:pPr>
             <a:r>
-              <a:rPr lang="en-US" sz="1000" b="1" dirty="0" err="1">
+              <a:rPr lang="en-US" sz="1000" b="1" i="1" dirty="0" err="1">
                 <a:latin typeface="Calibri" panose="020F0502020204030204" pitchFamily="34" charset="0"/>
                 <a:ea typeface="Calibri" panose="020F0502020204030204" pitchFamily="34" charset="0"/>
                 <a:cs typeface="Times New Roman" panose="02020603050405020304" pitchFamily="18" charset="0"/>
@@ -4034,7 +4334,7 @@
               <a:t>H</a:t>
             </a:r>
             <a:r>
-              <a:rPr lang="en-US" sz="1000" b="1" dirty="0" err="1">
+              <a:rPr lang="en-US" sz="1000" b="1" i="1" dirty="0" err="1">
                 <a:effectLst/>
                 <a:latin typeface="Calibri" panose="020F0502020204030204" pitchFamily="34" charset="0"/>
                 <a:ea typeface="Calibri" panose="020F0502020204030204" pitchFamily="34" charset="0"/>
@@ -4043,7 +4343,7 @@
               <a:t>ealth_Personal_Care</a:t>
             </a:r>
             <a:r>
-              <a:rPr lang="en-US" sz="1000" dirty="0">
+              <a:rPr lang="en-US" sz="1000" i="1" dirty="0">
                 <a:effectLst/>
                 <a:latin typeface="Calibri" panose="020F0502020204030204" pitchFamily="34" charset="0"/>
                 <a:ea typeface="Calibri" panose="020F0502020204030204" pitchFamily="34" charset="0"/>
@@ -4095,6 +4395,24 @@
               </a:rPr>
               <a:t>The below plot show the pre-pandemic sales and the dip across all over different area of retail. </a:t>
             </a:r>
+          </a:p>
+          <a:p>
+            <a:endParaRPr lang="en-US" sz="1800" dirty="0">
+              <a:latin typeface="Calibri" panose="020F0502020204030204" pitchFamily="34" charset="0"/>
+              <a:cs typeface="Times New Roman" panose="02020603050405020304" pitchFamily="18" charset="0"/>
+            </a:endParaRPr>
+          </a:p>
+          <a:p>
+            <a:endParaRPr lang="en-US" sz="1800" dirty="0">
+              <a:latin typeface="Calibri" panose="020F0502020204030204" pitchFamily="34" charset="0"/>
+              <a:cs typeface="Times New Roman" panose="02020603050405020304" pitchFamily="18" charset="0"/>
+            </a:endParaRPr>
+          </a:p>
+          <a:p>
+            <a:endParaRPr lang="en-US" sz="1800" dirty="0">
+              <a:latin typeface="Calibri" panose="020F0502020204030204" pitchFamily="34" charset="0"/>
+              <a:cs typeface="Times New Roman" panose="02020603050405020304" pitchFamily="18" charset="0"/>
+            </a:endParaRPr>
           </a:p>
           <a:p>
             <a:endParaRPr lang="en-US" dirty="0"/>
@@ -4131,82 +4449,156 @@
           <a:chExt cx="0" cy="0"/>
         </a:xfrm>
       </p:grpSpPr>
-      <p:pic>
-        <p:nvPicPr>
-          <p:cNvPr id="3" name="Picture 2">
-            <a:extLst>
-              <a:ext uri="{FF2B5EF4-FFF2-40B4-BE49-F238E27FC236}">
-                <a16:creationId xmlns:a16="http://schemas.microsoft.com/office/drawing/2014/main" id="{C3306D17-3BB1-4148-9A83-2C3B4BA48923}"/>
-              </a:ext>
-            </a:extLst>
-          </p:cNvPr>
-          <p:cNvPicPr>
-            <a:picLocks noChangeAspect="1"/>
-          </p:cNvPicPr>
-          <p:nvPr/>
-        </p:nvPicPr>
-        <p:blipFill>
-          <a:blip r:embed="rId2">
-            <a:extLst>
-              <a:ext uri="{28A0092B-C50C-407E-A947-70E740481C1C}">
-                <a14:useLocalDpi xmlns:a14="http://schemas.microsoft.com/office/drawing/2010/main" val="0"/>
-              </a:ext>
-            </a:extLst>
-          </a:blip>
-          <a:stretch>
-            <a:fillRect/>
-          </a:stretch>
-        </p:blipFill>
-        <p:spPr>
-          <a:xfrm>
-            <a:off x="6349094" y="1534886"/>
-            <a:ext cx="3831770" cy="3429000"/>
-          </a:xfrm>
-          <a:prstGeom prst="rect">
-            <a:avLst/>
-          </a:prstGeom>
-        </p:spPr>
-      </p:pic>
-      <p:pic>
-        <p:nvPicPr>
-          <p:cNvPr id="7" name="Picture 6">
-            <a:extLst>
-              <a:ext uri="{FF2B5EF4-FFF2-40B4-BE49-F238E27FC236}">
-                <a16:creationId xmlns:a16="http://schemas.microsoft.com/office/drawing/2014/main" id="{347AD3B1-9F8C-46E2-9457-30C02629978C}"/>
-              </a:ext>
-            </a:extLst>
-          </p:cNvPr>
-          <p:cNvPicPr>
-            <a:picLocks noChangeAspect="1"/>
-          </p:cNvPicPr>
-          <p:nvPr/>
-        </p:nvPicPr>
-        <p:blipFill>
-          <a:blip r:embed="rId3">
-            <a:extLst>
-              <a:ext uri="{28A0092B-C50C-407E-A947-70E740481C1C}">
-                <a14:useLocalDpi xmlns:a14="http://schemas.microsoft.com/office/drawing/2010/main" val="0"/>
-              </a:ext>
-            </a:extLst>
-          </a:blip>
-          <a:stretch>
-            <a:fillRect/>
-          </a:stretch>
-        </p:blipFill>
-        <p:spPr>
-          <a:xfrm>
-            <a:off x="1532162" y="1534886"/>
-            <a:ext cx="4027717" cy="3429000"/>
-          </a:xfrm>
-          <a:prstGeom prst="rect">
-            <a:avLst/>
-          </a:prstGeom>
-        </p:spPr>
-      </p:pic>
+      <p:sp>
+        <p:nvSpPr>
+          <p:cNvPr id="2" name="Title 1">
+            <a:extLst>
+              <a:ext uri="{FF2B5EF4-FFF2-40B4-BE49-F238E27FC236}">
+                <a16:creationId xmlns:a16="http://schemas.microsoft.com/office/drawing/2014/main" id="{83145691-BFD1-4DA0-9A87-EF697705A357}"/>
+              </a:ext>
+            </a:extLst>
+          </p:cNvPr>
+          <p:cNvSpPr>
+            <a:spLocks noGrp="1"/>
+          </p:cNvSpPr>
+          <p:nvPr>
+            <p:ph type="title"/>
+          </p:nvPr>
+        </p:nvSpPr>
+        <p:spPr/>
+        <p:txBody>
+          <a:bodyPr/>
+          <a:lstStyle/>
+          <a:p>
+            <a:r>
+              <a:rPr lang="en-US" dirty="0">
+                <a:latin typeface="Calibri" panose="020F0502020204030204" pitchFamily="34" charset="0"/>
+                <a:cs typeface="Times New Roman" panose="02020603050405020304" pitchFamily="18" charset="0"/>
+              </a:rPr>
+              <a:t>P</a:t>
+            </a:r>
+            <a:r>
+              <a:rPr lang="en-US" sz="4400" dirty="0">
+                <a:latin typeface="Calibri" panose="020F0502020204030204" pitchFamily="34" charset="0"/>
+                <a:cs typeface="Times New Roman" panose="02020603050405020304" pitchFamily="18" charset="0"/>
+              </a:rPr>
+              <a:t>rocess</a:t>
+            </a:r>
+            <a:br>
+              <a:rPr lang="en-US" sz="4400" dirty="0">
+                <a:latin typeface="Calibri" panose="020F0502020204030204" pitchFamily="34" charset="0"/>
+                <a:cs typeface="Times New Roman" panose="02020603050405020304" pitchFamily="18" charset="0"/>
+              </a:rPr>
+            </a:br>
+            <a:endParaRPr lang="en-US" dirty="0"/>
+          </a:p>
+        </p:txBody>
+      </p:sp>
+      <p:sp>
+        <p:nvSpPr>
+          <p:cNvPr id="3" name="Content Placeholder 2">
+            <a:extLst>
+              <a:ext uri="{FF2B5EF4-FFF2-40B4-BE49-F238E27FC236}">
+                <a16:creationId xmlns:a16="http://schemas.microsoft.com/office/drawing/2014/main" id="{229384CE-97F7-4DE4-B933-86E336BDFB20}"/>
+              </a:ext>
+            </a:extLst>
+          </p:cNvPr>
+          <p:cNvSpPr>
+            <a:spLocks noGrp="1"/>
+          </p:cNvSpPr>
+          <p:nvPr>
+            <p:ph idx="1"/>
+          </p:nvPr>
+        </p:nvSpPr>
+        <p:spPr/>
+        <p:txBody>
+          <a:bodyPr/>
+          <a:lstStyle/>
+          <a:p>
+            <a:pPr marL="285750" indent="-285750">
+              <a:buFont typeface="Arial" panose="020B0604020202020204" pitchFamily="34" charset="0"/>
+              <a:buChar char="•"/>
+            </a:pPr>
+            <a:r>
+              <a:rPr lang="en-US" sz="2800" dirty="0">
+                <a:latin typeface="Calibri" panose="020F0502020204030204" pitchFamily="34" charset="0"/>
+                <a:cs typeface="Times New Roman" panose="02020603050405020304" pitchFamily="18" charset="0"/>
+              </a:rPr>
+              <a:t>We pull data from census.gov. </a:t>
+            </a:r>
+          </a:p>
+          <a:p>
+            <a:pPr marL="285750" indent="-285750">
+              <a:buFont typeface="Arial" panose="020B0604020202020204" pitchFamily="34" charset="0"/>
+              <a:buChar char="•"/>
+            </a:pPr>
+            <a:r>
+              <a:rPr lang="en-US" sz="2800" dirty="0">
+                <a:latin typeface="Calibri" panose="020F0502020204030204" pitchFamily="34" charset="0"/>
+                <a:cs typeface="Times New Roman" panose="02020603050405020304" pitchFamily="18" charset="0"/>
+              </a:rPr>
+              <a:t>Clean the data dropped null.</a:t>
+            </a:r>
+          </a:p>
+          <a:p>
+            <a:pPr marL="285750" indent="-285750">
+              <a:buFont typeface="Arial" panose="020B0604020202020204" pitchFamily="34" charset="0"/>
+              <a:buChar char="•"/>
+            </a:pPr>
+            <a:r>
+              <a:rPr lang="en-US" sz="2800" dirty="0">
+                <a:latin typeface="Calibri" panose="020F0502020204030204" pitchFamily="34" charset="0"/>
+                <a:cs typeface="Times New Roman" panose="02020603050405020304" pitchFamily="18" charset="0"/>
+              </a:rPr>
+              <a:t>The data was separated to pre and post pandemic timeframe.</a:t>
+            </a:r>
+          </a:p>
+          <a:p>
+            <a:pPr marL="285750" indent="-285750">
+              <a:buFont typeface="Arial" panose="020B0604020202020204" pitchFamily="34" charset="0"/>
+              <a:buChar char="•"/>
+            </a:pPr>
+            <a:r>
+              <a:rPr lang="en-US" dirty="0">
+                <a:latin typeface="Calibri" panose="020F0502020204030204" pitchFamily="34" charset="0"/>
+                <a:cs typeface="Times New Roman" panose="02020603050405020304" pitchFamily="18" charset="0"/>
+              </a:rPr>
+              <a:t>Then ran analysis on the data,</a:t>
+            </a:r>
+            <a:r>
+              <a:rPr lang="en-US" sz="2800" dirty="0">
+                <a:latin typeface="Calibri" panose="020F0502020204030204" pitchFamily="34" charset="0"/>
+                <a:cs typeface="Times New Roman" panose="02020603050405020304" pitchFamily="18" charset="0"/>
+              </a:rPr>
+              <a:t> by calculating the mean , standard deviation and also perform correlation analysis to verify if the pandemic in fact affect retail as a whole .</a:t>
+            </a:r>
+          </a:p>
+          <a:p>
+            <a:pPr marL="285750" indent="-285750">
+              <a:buFont typeface="Arial" panose="020B0604020202020204" pitchFamily="34" charset="0"/>
+              <a:buChar char="•"/>
+            </a:pPr>
+            <a:r>
+              <a:rPr lang="en-US" dirty="0">
+                <a:latin typeface="Calibri" panose="020F0502020204030204" pitchFamily="34" charset="0"/>
+                <a:cs typeface="Times New Roman" panose="02020603050405020304" pitchFamily="18" charset="0"/>
+              </a:rPr>
+              <a:t>Read file to an output clean folder.</a:t>
+            </a:r>
+            <a:endParaRPr lang="en-US" sz="2800" dirty="0">
+              <a:latin typeface="Calibri" panose="020F0502020204030204" pitchFamily="34" charset="0"/>
+              <a:cs typeface="Times New Roman" panose="02020603050405020304" pitchFamily="18" charset="0"/>
+            </a:endParaRPr>
+          </a:p>
+          <a:p>
+            <a:endParaRPr lang="en-US" dirty="0"/>
+          </a:p>
+        </p:txBody>
+      </p:sp>
     </p:spTree>
     <p:extLst>
       <p:ext uri="{BB962C8B-B14F-4D97-AF65-F5344CB8AC3E}">
-        <p14:creationId xmlns:p14="http://schemas.microsoft.com/office/powerpoint/2010/main" val="249356975"/>
+        <p14:creationId xmlns:p14="http://schemas.microsoft.com/office/powerpoint/2010/main" val="2034420460"/>
       </p:ext>
     </p:extLst>
   </p:cSld>
@@ -4233,10 +4625,84 @@
           <a:chExt cx="0" cy="0"/>
         </a:xfrm>
       </p:grpSpPr>
+      <p:sp>
+        <p:nvSpPr>
+          <p:cNvPr id="4" name="Title 3">
+            <a:extLst>
+              <a:ext uri="{FF2B5EF4-FFF2-40B4-BE49-F238E27FC236}">
+                <a16:creationId xmlns:a16="http://schemas.microsoft.com/office/drawing/2014/main" id="{B266767C-29B0-4958-B4D3-789B46348ED0}"/>
+              </a:ext>
+            </a:extLst>
+          </p:cNvPr>
+          <p:cNvSpPr>
+            <a:spLocks noGrp="1"/>
+          </p:cNvSpPr>
+          <p:nvPr>
+            <p:ph type="title"/>
+          </p:nvPr>
+        </p:nvSpPr>
+        <p:spPr/>
+        <p:txBody>
+          <a:bodyPr/>
+          <a:lstStyle/>
+          <a:p>
+            <a:r>
+              <a:rPr lang="en-US" dirty="0"/>
+              <a:t>Result</a:t>
+            </a:r>
+          </a:p>
+        </p:txBody>
+      </p:sp>
+      <p:sp>
+        <p:nvSpPr>
+          <p:cNvPr id="5" name="Content Placeholder 4">
+            <a:extLst>
+              <a:ext uri="{FF2B5EF4-FFF2-40B4-BE49-F238E27FC236}">
+                <a16:creationId xmlns:a16="http://schemas.microsoft.com/office/drawing/2014/main" id="{C266E49F-F7CD-4E0E-B219-9F8A81D02A09}"/>
+              </a:ext>
+            </a:extLst>
+          </p:cNvPr>
+          <p:cNvSpPr>
+            <a:spLocks noGrp="1"/>
+          </p:cNvSpPr>
+          <p:nvPr>
+            <p:ph idx="1"/>
+          </p:nvPr>
+        </p:nvSpPr>
+        <p:spPr/>
+        <p:txBody>
+          <a:bodyPr/>
+          <a:lstStyle/>
+          <a:p>
+            <a:r>
+              <a:rPr lang="en-US" dirty="0"/>
+              <a:t>Base on the above plot we could see that pandemic affected sale in every sector of retail</a:t>
+            </a:r>
+          </a:p>
+          <a:p>
+            <a:r>
+              <a:rPr lang="en-US" dirty="0"/>
+              <a:t>We can infer that at the height of pandemic which is march 2020 to April 2020 every area of retail took a hit due to lock down and restriction.</a:t>
+            </a:r>
+          </a:p>
+          <a:p>
+            <a:r>
+              <a:rPr lang="en-US" dirty="0"/>
+              <a:t>We can also see that as the retail sector start to pivot and transition to online sales gradually starts to incline. </a:t>
+            </a:r>
+          </a:p>
+          <a:p>
+            <a:r>
+              <a:rPr lang="en-US" dirty="0"/>
+              <a:t>During the analysis of the pre and post pandemic we could also see that section that have strong positive correlated remain the same and correlation change with sectors that are not </a:t>
+            </a:r>
+          </a:p>
+        </p:txBody>
+      </p:sp>
     </p:spTree>
     <p:extLst>
       <p:ext uri="{BB962C8B-B14F-4D97-AF65-F5344CB8AC3E}">
-        <p14:creationId xmlns:p14="http://schemas.microsoft.com/office/powerpoint/2010/main" val="3691814462"/>
+        <p14:creationId xmlns:p14="http://schemas.microsoft.com/office/powerpoint/2010/main" val="1864078017"/>
       </p:ext>
     </p:extLst>
   </p:cSld>
@@ -4263,10 +4729,40 @@
           <a:chExt cx="0" cy="0"/>
         </a:xfrm>
       </p:grpSpPr>
+      <p:pic>
+        <p:nvPicPr>
+          <p:cNvPr id="3" name="Picture 2">
+            <a:extLst>
+              <a:ext uri="{FF2B5EF4-FFF2-40B4-BE49-F238E27FC236}">
+                <a16:creationId xmlns:a16="http://schemas.microsoft.com/office/drawing/2014/main" id="{8F98813E-2A2E-4C4E-B3F7-09DE39DC0A21}"/>
+              </a:ext>
+            </a:extLst>
+          </p:cNvPr>
+          <p:cNvPicPr>
+            <a:picLocks noChangeAspect="1"/>
+          </p:cNvPicPr>
+          <p:nvPr/>
+        </p:nvPicPr>
+        <p:blipFill>
+          <a:blip r:embed="rId2"/>
+          <a:stretch>
+            <a:fillRect/>
+          </a:stretch>
+        </p:blipFill>
+        <p:spPr>
+          <a:xfrm>
+            <a:off x="2117558" y="1373465"/>
+            <a:ext cx="7603958" cy="4977344"/>
+          </a:xfrm>
+          <a:prstGeom prst="rect">
+            <a:avLst/>
+          </a:prstGeom>
+        </p:spPr>
+      </p:pic>
     </p:spTree>
     <p:extLst>
       <p:ext uri="{BB962C8B-B14F-4D97-AF65-F5344CB8AC3E}">
-        <p14:creationId xmlns:p14="http://schemas.microsoft.com/office/powerpoint/2010/main" val="1838501281"/>
+        <p14:creationId xmlns:p14="http://schemas.microsoft.com/office/powerpoint/2010/main" val="1114407270"/>
       </p:ext>
     </p:extLst>
   </p:cSld>
@@ -4293,63 +4789,82 @@
           <a:chExt cx="0" cy="0"/>
         </a:xfrm>
       </p:grpSpPr>
-      <p:sp>
-        <p:nvSpPr>
-          <p:cNvPr id="2" name="Title 1">
-            <a:extLst>
-              <a:ext uri="{FF2B5EF4-FFF2-40B4-BE49-F238E27FC236}">
-                <a16:creationId xmlns:a16="http://schemas.microsoft.com/office/drawing/2014/main" id="{E1F3D856-B050-432B-9DAC-1D8AD032113D}"/>
-              </a:ext>
-            </a:extLst>
-          </p:cNvPr>
-          <p:cNvSpPr>
-            <a:spLocks noGrp="1"/>
-          </p:cNvSpPr>
-          <p:nvPr>
-            <p:ph type="title"/>
-          </p:nvPr>
-        </p:nvSpPr>
-        <p:spPr/>
-        <p:txBody>
-          <a:bodyPr/>
-          <a:lstStyle/>
-          <a:p>
-            <a:r>
-              <a:rPr lang="en-US" dirty="0"/>
-              <a:t>Frank </a:t>
-            </a:r>
-          </a:p>
-        </p:txBody>
-      </p:sp>
-      <p:sp>
-        <p:nvSpPr>
-          <p:cNvPr id="3" name="Content Placeholder 2">
-            <a:extLst>
-              <a:ext uri="{FF2B5EF4-FFF2-40B4-BE49-F238E27FC236}">
-                <a16:creationId xmlns:a16="http://schemas.microsoft.com/office/drawing/2014/main" id="{B2E48045-3E03-447A-A8C6-BC9537EF17F5}"/>
-              </a:ext>
-            </a:extLst>
-          </p:cNvPr>
-          <p:cNvSpPr>
-            <a:spLocks noGrp="1"/>
-          </p:cNvSpPr>
-          <p:nvPr>
-            <p:ph idx="1"/>
-          </p:nvPr>
-        </p:nvSpPr>
-        <p:spPr/>
-        <p:txBody>
-          <a:bodyPr/>
-          <a:lstStyle/>
-          <a:p>
-            <a:endParaRPr lang="en-US"/>
-          </a:p>
-        </p:txBody>
-      </p:sp>
+      <p:pic>
+        <p:nvPicPr>
+          <p:cNvPr id="3" name="Picture 2">
+            <a:extLst>
+              <a:ext uri="{FF2B5EF4-FFF2-40B4-BE49-F238E27FC236}">
+                <a16:creationId xmlns:a16="http://schemas.microsoft.com/office/drawing/2014/main" id="{C3306D17-3BB1-4148-9A83-2C3B4BA48923}"/>
+              </a:ext>
+            </a:extLst>
+          </p:cNvPr>
+          <p:cNvPicPr>
+            <a:picLocks noChangeAspect="1"/>
+          </p:cNvPicPr>
+          <p:nvPr/>
+        </p:nvPicPr>
+        <p:blipFill>
+          <a:blip r:embed="rId2">
+            <a:extLst>
+              <a:ext uri="{28A0092B-C50C-407E-A947-70E740481C1C}">
+                <a14:useLocalDpi xmlns:a14="http://schemas.microsoft.com/office/drawing/2010/main" val="0"/>
+              </a:ext>
+            </a:extLst>
+          </a:blip>
+          <a:stretch>
+            <a:fillRect/>
+          </a:stretch>
+        </p:blipFill>
+        <p:spPr>
+          <a:xfrm>
+            <a:off x="6349094" y="1534886"/>
+            <a:ext cx="3831770" cy="3429000"/>
+          </a:xfrm>
+          <a:prstGeom prst="rect">
+            <a:avLst/>
+          </a:prstGeom>
+        </p:spPr>
+      </p:pic>
+      <p:pic>
+        <p:nvPicPr>
+          <p:cNvPr id="7" name="Picture 6">
+            <a:extLst>
+              <a:ext uri="{FF2B5EF4-FFF2-40B4-BE49-F238E27FC236}">
+                <a16:creationId xmlns:a16="http://schemas.microsoft.com/office/drawing/2014/main" id="{347AD3B1-9F8C-46E2-9457-30C02629978C}"/>
+              </a:ext>
+            </a:extLst>
+          </p:cNvPr>
+          <p:cNvPicPr>
+            <a:picLocks noChangeAspect="1"/>
+          </p:cNvPicPr>
+          <p:nvPr/>
+        </p:nvPicPr>
+        <p:blipFill>
+          <a:blip r:embed="rId3">
+            <a:extLst>
+              <a:ext uri="{28A0092B-C50C-407E-A947-70E740481C1C}">
+                <a14:useLocalDpi xmlns:a14="http://schemas.microsoft.com/office/drawing/2010/main" val="0"/>
+              </a:ext>
+            </a:extLst>
+          </a:blip>
+          <a:stretch>
+            <a:fillRect/>
+          </a:stretch>
+        </p:blipFill>
+        <p:spPr>
+          <a:xfrm>
+            <a:off x="1532162" y="1534886"/>
+            <a:ext cx="4027717" cy="3429000"/>
+          </a:xfrm>
+          <a:prstGeom prst="rect">
+            <a:avLst/>
+          </a:prstGeom>
+        </p:spPr>
+      </p:pic>
     </p:spTree>
     <p:extLst>
       <p:ext uri="{BB962C8B-B14F-4D97-AF65-F5344CB8AC3E}">
-        <p14:creationId xmlns:p14="http://schemas.microsoft.com/office/powerpoint/2010/main" val="4035942740"/>
+        <p14:creationId xmlns:p14="http://schemas.microsoft.com/office/powerpoint/2010/main" val="249356975"/>
       </p:ext>
     </p:extLst>
   </p:cSld>

--- a/reports/Presentation power point.pptx
+++ b/reports/Presentation power point.pptx
@@ -6,22 +6,16 @@
   </p:sldMasterIdLst>
   <p:sldIdLst>
     <p:sldId id="256" r:id="rId2"/>
-    <p:sldId id="257" r:id="rId3"/>
-    <p:sldId id="258" r:id="rId4"/>
-    <p:sldId id="259" r:id="rId5"/>
-    <p:sldId id="260" r:id="rId6"/>
-    <p:sldId id="275" r:id="rId7"/>
-    <p:sldId id="272" r:id="rId8"/>
-    <p:sldId id="274" r:id="rId9"/>
-    <p:sldId id="269" r:id="rId10"/>
-    <p:sldId id="277" r:id="rId11"/>
-    <p:sldId id="276" r:id="rId12"/>
-    <p:sldId id="264" r:id="rId13"/>
-    <p:sldId id="265" r:id="rId14"/>
-    <p:sldId id="266" r:id="rId15"/>
-    <p:sldId id="267" r:id="rId16"/>
-    <p:sldId id="268" r:id="rId17"/>
-    <p:sldId id="270" r:id="rId18"/>
+    <p:sldId id="282" r:id="rId3"/>
+    <p:sldId id="283" r:id="rId4"/>
+    <p:sldId id="284" r:id="rId5"/>
+    <p:sldId id="275" r:id="rId6"/>
+    <p:sldId id="274" r:id="rId7"/>
+    <p:sldId id="269" r:id="rId8"/>
+    <p:sldId id="272" r:id="rId9"/>
+    <p:sldId id="277" r:id="rId10"/>
+    <p:sldId id="280" r:id="rId11"/>
+    <p:sldId id="279" r:id="rId12"/>
   </p:sldIdLst>
   <p:sldSz cx="12192000" cy="6858000"/>
   <p:notesSz cx="6858000" cy="9144000"/>
@@ -275,7 +269,7 @@
           <a:p>
             <a:fld id="{4C9007D8-B524-4AF9-AD63-F448B25CDA86}" type="datetimeFigureOut">
               <a:rPr lang="en-US" smtClean="0"/>
-              <a:t>5/7/2021</a:t>
+              <a:t>5/8/2021</a:t>
             </a:fld>
             <a:endParaRPr lang="en-US"/>
           </a:p>
@@ -473,7 +467,7 @@
           <a:p>
             <a:fld id="{4C9007D8-B524-4AF9-AD63-F448B25CDA86}" type="datetimeFigureOut">
               <a:rPr lang="en-US" smtClean="0"/>
-              <a:t>5/7/2021</a:t>
+              <a:t>5/8/2021</a:t>
             </a:fld>
             <a:endParaRPr lang="en-US"/>
           </a:p>
@@ -681,7 +675,7 @@
           <a:p>
             <a:fld id="{4C9007D8-B524-4AF9-AD63-F448B25CDA86}" type="datetimeFigureOut">
               <a:rPr lang="en-US" smtClean="0"/>
-              <a:t>5/7/2021</a:t>
+              <a:t>5/8/2021</a:t>
             </a:fld>
             <a:endParaRPr lang="en-US"/>
           </a:p>
@@ -879,7 +873,7 @@
           <a:p>
             <a:fld id="{4C9007D8-B524-4AF9-AD63-F448B25CDA86}" type="datetimeFigureOut">
               <a:rPr lang="en-US" smtClean="0"/>
-              <a:t>5/7/2021</a:t>
+              <a:t>5/8/2021</a:t>
             </a:fld>
             <a:endParaRPr lang="en-US"/>
           </a:p>
@@ -1154,7 +1148,7 @@
           <a:p>
             <a:fld id="{4C9007D8-B524-4AF9-AD63-F448B25CDA86}" type="datetimeFigureOut">
               <a:rPr lang="en-US" smtClean="0"/>
-              <a:t>5/7/2021</a:t>
+              <a:t>5/8/2021</a:t>
             </a:fld>
             <a:endParaRPr lang="en-US"/>
           </a:p>
@@ -1419,7 +1413,7 @@
           <a:p>
             <a:fld id="{4C9007D8-B524-4AF9-AD63-F448B25CDA86}" type="datetimeFigureOut">
               <a:rPr lang="en-US" smtClean="0"/>
-              <a:t>5/7/2021</a:t>
+              <a:t>5/8/2021</a:t>
             </a:fld>
             <a:endParaRPr lang="en-US"/>
           </a:p>
@@ -1831,7 +1825,7 @@
           <a:p>
             <a:fld id="{4C9007D8-B524-4AF9-AD63-F448B25CDA86}" type="datetimeFigureOut">
               <a:rPr lang="en-US" smtClean="0"/>
-              <a:t>5/7/2021</a:t>
+              <a:t>5/8/2021</a:t>
             </a:fld>
             <a:endParaRPr lang="en-US"/>
           </a:p>
@@ -1972,7 +1966,7 @@
           <a:p>
             <a:fld id="{4C9007D8-B524-4AF9-AD63-F448B25CDA86}" type="datetimeFigureOut">
               <a:rPr lang="en-US" smtClean="0"/>
-              <a:t>5/7/2021</a:t>
+              <a:t>5/8/2021</a:t>
             </a:fld>
             <a:endParaRPr lang="en-US"/>
           </a:p>
@@ -2085,7 +2079,7 @@
           <a:p>
             <a:fld id="{4C9007D8-B524-4AF9-AD63-F448B25CDA86}" type="datetimeFigureOut">
               <a:rPr lang="en-US" smtClean="0"/>
-              <a:t>5/7/2021</a:t>
+              <a:t>5/8/2021</a:t>
             </a:fld>
             <a:endParaRPr lang="en-US"/>
           </a:p>
@@ -2396,7 +2390,7 @@
           <a:p>
             <a:fld id="{4C9007D8-B524-4AF9-AD63-F448B25CDA86}" type="datetimeFigureOut">
               <a:rPr lang="en-US" smtClean="0"/>
-              <a:t>5/7/2021</a:t>
+              <a:t>5/8/2021</a:t>
             </a:fld>
             <a:endParaRPr lang="en-US"/>
           </a:p>
@@ -2684,7 +2678,7 @@
           <a:p>
             <a:fld id="{4C9007D8-B524-4AF9-AD63-F448B25CDA86}" type="datetimeFigureOut">
               <a:rPr lang="en-US" smtClean="0"/>
-              <a:t>5/7/2021</a:t>
+              <a:t>5/8/2021</a:t>
             </a:fld>
             <a:endParaRPr lang="en-US"/>
           </a:p>
@@ -2925,7 +2919,7 @@
           <a:p>
             <a:fld id="{4C9007D8-B524-4AF9-AD63-F448B25CDA86}" type="datetimeFigureOut">
               <a:rPr lang="en-US" smtClean="0"/>
-              <a:t>5/7/2021</a:t>
+              <a:t>5/8/2021</a:t>
             </a:fld>
             <a:endParaRPr lang="en-US"/>
           </a:p>
@@ -3433,63 +3427,80 @@
           <p:cNvPr id="2" name="Title 1">
             <a:extLst>
               <a:ext uri="{FF2B5EF4-FFF2-40B4-BE49-F238E27FC236}">
-                <a16:creationId xmlns:a16="http://schemas.microsoft.com/office/drawing/2014/main" id="{118B59A2-7936-47CC-A48E-D0712986D2BA}"/>
-              </a:ext>
-            </a:extLst>
-          </p:cNvPr>
-          <p:cNvSpPr>
-            <a:spLocks noGrp="1"/>
-          </p:cNvSpPr>
-          <p:nvPr>
-            <p:ph type="title"/>
-          </p:nvPr>
-        </p:nvSpPr>
-        <p:spPr/>
-        <p:txBody>
-          <a:bodyPr/>
-          <a:lstStyle/>
-          <a:p>
-            <a:r>
-              <a:rPr lang="en-US" dirty="0"/>
-              <a:t>The below plot shows the </a:t>
-            </a:r>
-          </a:p>
-        </p:txBody>
-      </p:sp>
-      <p:sp>
-        <p:nvSpPr>
-          <p:cNvPr id="3" name="Content Placeholder 2">
-            <a:extLst>
-              <a:ext uri="{FF2B5EF4-FFF2-40B4-BE49-F238E27FC236}">
-                <a16:creationId xmlns:a16="http://schemas.microsoft.com/office/drawing/2014/main" id="{960F2FA3-C353-4FDA-B1D8-ACE10D1A7C85}"/>
-              </a:ext>
-            </a:extLst>
-          </p:cNvPr>
-          <p:cNvSpPr>
-            <a:spLocks noGrp="1"/>
-          </p:cNvSpPr>
-          <p:nvPr>
-            <p:ph idx="1"/>
-          </p:nvPr>
-        </p:nvSpPr>
-        <p:spPr/>
-        <p:txBody>
-          <a:bodyPr/>
-          <a:lstStyle/>
-          <a:p>
-            <a:r>
-              <a:rPr lang="en-US" dirty="0"/>
-              <a:t>The below plot shows the monthly sale by department store </a:t>
-            </a:r>
+                <a16:creationId xmlns:a16="http://schemas.microsoft.com/office/drawing/2014/main" id="{3481C7FA-DB25-4587-9EEB-C6BE8D5344BA}"/>
+              </a:ext>
+            </a:extLst>
+          </p:cNvPr>
+          <p:cNvSpPr>
+            <a:spLocks noGrp="1"/>
+          </p:cNvSpPr>
+          <p:nvPr>
+            <p:ph type="title" idx="4294967295"/>
+          </p:nvPr>
+        </p:nvSpPr>
+        <p:spPr>
+          <a:xfrm>
+            <a:off x="0" y="333041"/>
+            <a:ext cx="10515600" cy="1460500"/>
+          </a:xfrm>
+        </p:spPr>
+        <p:txBody>
+          <a:bodyPr>
+            <a:normAutofit/>
+          </a:bodyPr>
+          <a:lstStyle/>
+          <a:p>
+            <a:pPr marL="342900" indent="-342900">
+              <a:buFont typeface="Arial" panose="020B0604020202020204" pitchFamily="34" charset="0"/>
+              <a:buChar char="•"/>
+            </a:pPr>
+            <a:r>
+              <a:rPr lang="en-US" sz="2200" b="0" i="0" dirty="0">
+                <a:solidFill>
+                  <a:srgbClr val="1D1C1D"/>
+                </a:solidFill>
+                <a:effectLst/>
+                <a:latin typeface="Slack-Lato"/>
+              </a:rPr>
+              <a:t>Stock Price Daily plotted between August of 2018 and April of2021</a:t>
+            </a:r>
+            <a:br>
+              <a:rPr lang="en-US" sz="2200" dirty="0">
+                <a:solidFill>
+                  <a:srgbClr val="1D1C1D"/>
+                </a:solidFill>
+                <a:latin typeface="Slack-Lato"/>
+              </a:rPr>
+            </a:br>
+            <a:r>
+              <a:rPr lang="en-US" sz="2200" b="0" i="0" dirty="0">
+                <a:solidFill>
+                  <a:srgbClr val="1D1C1D"/>
+                </a:solidFill>
+                <a:effectLst/>
+                <a:latin typeface="Slack-Lato"/>
+              </a:rPr>
+              <a:t>Did these stocks go up or down?</a:t>
+            </a:r>
+            <a:br>
+              <a:rPr lang="en-US" b="0" i="0" dirty="0">
+                <a:solidFill>
+                  <a:srgbClr val="1D1C1D"/>
+                </a:solidFill>
+                <a:effectLst/>
+                <a:latin typeface="Slack-Lato"/>
+              </a:rPr>
+            </a:br>
+            <a:endParaRPr lang="en-US" dirty="0"/>
           </a:p>
         </p:txBody>
       </p:sp>
       <p:pic>
         <p:nvPicPr>
-          <p:cNvPr id="7" name="Picture 6">
-            <a:extLst>
-              <a:ext uri="{FF2B5EF4-FFF2-40B4-BE49-F238E27FC236}">
-                <a16:creationId xmlns:a16="http://schemas.microsoft.com/office/drawing/2014/main" id="{4AC49C0C-9004-4B5B-9A49-EC279D3765A3}"/>
+          <p:cNvPr id="5" name="Picture 4">
+            <a:extLst>
+              <a:ext uri="{FF2B5EF4-FFF2-40B4-BE49-F238E27FC236}">
+                <a16:creationId xmlns:a16="http://schemas.microsoft.com/office/drawing/2014/main" id="{6CB85B8D-B73B-4F4F-ADB6-11D886AA8334}"/>
               </a:ext>
             </a:extLst>
           </p:cNvPr>
@@ -3506,8 +3517,8 @@
         </p:blipFill>
         <p:spPr>
           <a:xfrm>
-            <a:off x="3320966" y="2633663"/>
-            <a:ext cx="4619625" cy="3543300"/>
+            <a:off x="2358476" y="2053819"/>
+            <a:ext cx="6400800" cy="3842083"/>
           </a:xfrm>
           <a:prstGeom prst="rect">
             <a:avLst/>
@@ -3517,7 +3528,7 @@
     </p:spTree>
     <p:extLst>
       <p:ext uri="{BB962C8B-B14F-4D97-AF65-F5344CB8AC3E}">
-        <p14:creationId xmlns:p14="http://schemas.microsoft.com/office/powerpoint/2010/main" val="3108446970"/>
+        <p14:creationId xmlns:p14="http://schemas.microsoft.com/office/powerpoint/2010/main" val="2998261132"/>
       </p:ext>
     </p:extLst>
   </p:cSld>
@@ -3549,7 +3560,7 @@
           <p:cNvPr id="2" name="Title 1">
             <a:extLst>
               <a:ext uri="{FF2B5EF4-FFF2-40B4-BE49-F238E27FC236}">
-                <a16:creationId xmlns:a16="http://schemas.microsoft.com/office/drawing/2014/main" id="{4D4555A7-BE99-424D-9E55-6B426AF6D965}"/>
+                <a16:creationId xmlns:a16="http://schemas.microsoft.com/office/drawing/2014/main" id="{F160B246-DE96-4693-86C3-C4996DB6F7D6}"/>
               </a:ext>
             </a:extLst>
           </p:cNvPr>
@@ -3562,341 +3573,605 @@
         </p:nvSpPr>
         <p:spPr/>
         <p:txBody>
-          <a:bodyPr/>
-          <a:lstStyle/>
-          <a:p>
-            <a:r>
-              <a:rPr lang="en-US" sz="4400" dirty="0">
-                <a:latin typeface="Calibri" panose="020F0502020204030204" pitchFamily="34" charset="0"/>
-                <a:cs typeface="Times New Roman" panose="02020603050405020304" pitchFamily="18" charset="0"/>
+          <a:bodyPr>
+            <a:normAutofit/>
+          </a:bodyPr>
+          <a:lstStyle/>
+          <a:p>
+            <a:r>
+              <a:rPr lang="en-US" sz="2000" b="0" i="0" dirty="0">
+                <a:solidFill>
+                  <a:srgbClr val="1D1C1D"/>
+                </a:solidFill>
+                <a:effectLst/>
+                <a:latin typeface="Slack-Lato"/>
               </a:rPr>
-              <a:t>Conclusion</a:t>
+              <a:t>The blue line represents the linear regression and the Trajectory of the Stock price.</a:t>
             </a:r>
             <a:br>
-              <a:rPr lang="en-US" sz="4400" dirty="0">
-                <a:latin typeface="Calibri" panose="020F0502020204030204" pitchFamily="34" charset="0"/>
-                <a:cs typeface="Times New Roman" panose="02020603050405020304" pitchFamily="18" charset="0"/>
+              <a:rPr lang="en-US" sz="2000" b="0" i="0" dirty="0">
+                <a:solidFill>
+                  <a:srgbClr val="1D1C1D"/>
+                </a:solidFill>
+                <a:effectLst/>
+                <a:latin typeface="Slack-Lato"/>
               </a:rPr>
             </a:br>
-            <a:endParaRPr lang="en-US" dirty="0"/>
-          </a:p>
-        </p:txBody>
-      </p:sp>
-      <p:sp>
-        <p:nvSpPr>
-          <p:cNvPr id="3" name="Content Placeholder 2">
-            <a:extLst>
-              <a:ext uri="{FF2B5EF4-FFF2-40B4-BE49-F238E27FC236}">
-                <a16:creationId xmlns:a16="http://schemas.microsoft.com/office/drawing/2014/main" id="{C6B536DA-78F9-4A3B-A858-E777432A0D0E}"/>
-              </a:ext>
-            </a:extLst>
-          </p:cNvPr>
-          <p:cNvSpPr>
-            <a:spLocks noGrp="1"/>
-          </p:cNvSpPr>
+            <a:r>
+              <a:rPr lang="en-US" sz="2000" b="0" i="0" dirty="0">
+                <a:solidFill>
+                  <a:srgbClr val="1D1C1D"/>
+                </a:solidFill>
+                <a:effectLst/>
+                <a:latin typeface="Slack-Lato"/>
+              </a:rPr>
+              <a:t>The trajectory of online essentials and businesses that pivoted to online will continue to grow</a:t>
+            </a:r>
+            <a:endParaRPr lang="en-US" sz="2000" dirty="0"/>
+          </a:p>
+        </p:txBody>
+      </p:sp>
+      <p:pic>
+        <p:nvPicPr>
+          <p:cNvPr id="5" name="Content Placeholder 4">
+            <a:extLst>
+              <a:ext uri="{FF2B5EF4-FFF2-40B4-BE49-F238E27FC236}">
+                <a16:creationId xmlns:a16="http://schemas.microsoft.com/office/drawing/2014/main" id="{5220255E-1516-4436-B63C-1D8FF89ABAFC}"/>
+              </a:ext>
+            </a:extLst>
+          </p:cNvPr>
+          <p:cNvPicPr>
+            <a:picLocks noGrp="1" noChangeAspect="1"/>
+          </p:cNvPicPr>
           <p:nvPr>
             <p:ph idx="1"/>
           </p:nvPr>
-        </p:nvSpPr>
-        <p:spPr/>
-        <p:txBody>
-          <a:bodyPr/>
-          <a:lstStyle/>
-          <a:p>
-            <a:endParaRPr lang="en-US" dirty="0"/>
+        </p:nvPicPr>
+        <p:blipFill>
+          <a:blip r:embed="rId2"/>
+          <a:stretch>
+            <a:fillRect/>
+          </a:stretch>
+        </p:blipFill>
+        <p:spPr>
+          <a:xfrm>
+            <a:off x="2860153" y="1825625"/>
+            <a:ext cx="6471693" cy="4351338"/>
+          </a:xfrm>
+        </p:spPr>
+      </p:pic>
+      <p:sp>
+        <p:nvSpPr>
+          <p:cNvPr id="6" name="Rectangle 1">
+            <a:extLst>
+              <a:ext uri="{FF2B5EF4-FFF2-40B4-BE49-F238E27FC236}">
+                <a16:creationId xmlns:a16="http://schemas.microsoft.com/office/drawing/2014/main" id="{E893B6D8-01C9-4EE8-9640-3B4880D98599}"/>
+              </a:ext>
+            </a:extLst>
+          </p:cNvPr>
+          <p:cNvSpPr>
+            <a:spLocks noChangeArrowheads="1"/>
+          </p:cNvSpPr>
+          <p:nvPr/>
+        </p:nvSpPr>
+        <p:spPr bwMode="auto">
+          <a:xfrm>
+            <a:off x="0" y="2147483647"/>
+            <a:ext cx="12192000" cy="0"/>
+          </a:xfrm>
+          <a:prstGeom prst="rect">
+            <a:avLst/>
+          </a:prstGeom>
+          <a:solidFill>
+            <a:srgbClr val="FFFFFF"/>
+          </a:solidFill>
+          <a:ln>
+            <a:noFill/>
+          </a:ln>
+          <a:effectLst/>
+          <a:extLst>
+            <a:ext uri="{91240B29-F687-4F45-9708-019B960494DF}">
+              <a14:hiddenLine xmlns:a14="http://schemas.microsoft.com/office/drawing/2010/main" w="9525">
+                <a:solidFill>
+                  <a:schemeClr val="tx1"/>
+                </a:solidFill>
+                <a:miter lim="800000"/>
+                <a:headEnd/>
+                <a:tailEnd/>
+              </a14:hiddenLine>
+            </a:ext>
+            <a:ext uri="{AF507438-7753-43E0-B8FC-AC1667EBCBE1}">
+              <a14:hiddenEffects xmlns:a14="http://schemas.microsoft.com/office/drawing/2010/main">
+                <a:effectLst>
+                  <a:outerShdw dist="35921" dir="2700000" algn="ctr" rotWithShape="0">
+                    <a:schemeClr val="bg2"/>
+                  </a:outerShdw>
+                </a:effectLst>
+              </a14:hiddenEffects>
+            </a:ext>
+          </a:extLst>
+        </p:spPr>
+        <p:txBody>
+          <a:bodyPr vert="horz" wrap="none" lIns="91440" tIns="45720" rIns="91440" bIns="45720" numCol="1" anchor="ctr" anchorCtr="0" compatLnSpc="1">
+            <a:prstTxWarp prst="textNoShape">
+              <a:avLst/>
+            </a:prstTxWarp>
+            <a:spAutoFit/>
+          </a:bodyPr>
+          <a:lstStyle/>
+          <a:p>
+            <a:pPr marL="0" marR="0" lvl="0" indent="0" algn="l" defTabSz="914400" rtl="0" eaLnBrk="0" fontAlgn="base" latinLnBrk="0" hangingPunct="0">
+              <a:lnSpc>
+                <a:spcPct val="100000"/>
+              </a:lnSpc>
+              <a:spcBef>
+                <a:spcPct val="0"/>
+              </a:spcBef>
+              <a:spcAft>
+                <a:spcPct val="0"/>
+              </a:spcAft>
+              <a:buClrTx/>
+              <a:buSzTx/>
+              <a:buFontTx/>
+              <a:buNone/>
+              <a:tabLst/>
+            </a:pPr>
+            <a:r>
+              <a:rPr kumimoji="0" lang="en-US" altLang="en-US" sz="1100" b="0" i="0" u="none" strike="noStrike" cap="none" normalizeH="0" baseline="0">
+                <a:ln>
+                  <a:noFill/>
+                </a:ln>
+                <a:solidFill>
+                  <a:srgbClr val="1D1C1D"/>
+                </a:solidFill>
+                <a:effectLst/>
+                <a:latin typeface="Slack-Lato"/>
+              </a:rPr>
+              <a:t>The blue line represents the linear regression and the Trajectory of the Stock price.</a:t>
+            </a:r>
+          </a:p>
+          <a:p>
+            <a:pPr marL="0" marR="0" lvl="0" indent="0" algn="l" defTabSz="914400" rtl="0" eaLnBrk="0" fontAlgn="base" latinLnBrk="0" hangingPunct="0">
+              <a:lnSpc>
+                <a:spcPct val="100000"/>
+              </a:lnSpc>
+              <a:spcBef>
+                <a:spcPct val="0"/>
+              </a:spcBef>
+              <a:spcAft>
+                <a:spcPct val="0"/>
+              </a:spcAft>
+              <a:buClrTx/>
+              <a:buSzTx/>
+              <a:buFontTx/>
+              <a:buNone/>
+              <a:tabLst/>
+            </a:pPr>
+            <a:endParaRPr kumimoji="0" lang="en-US" altLang="en-US" sz="1800" b="0" i="0" u="none" strike="noStrike" cap="none" normalizeH="0" baseline="0">
+              <a:ln>
+                <a:noFill/>
+              </a:ln>
+              <a:solidFill>
+                <a:schemeClr val="tx1"/>
+              </a:solidFill>
+              <a:effectLst/>
+              <a:latin typeface="Arial" panose="020B0604020202020204" pitchFamily="34" charset="0"/>
+            </a:endParaRPr>
+          </a:p>
+        </p:txBody>
+      </p:sp>
+      <p:sp>
+        <p:nvSpPr>
+          <p:cNvPr id="7" name="Rectangle 2">
+            <a:extLst>
+              <a:ext uri="{FF2B5EF4-FFF2-40B4-BE49-F238E27FC236}">
+                <a16:creationId xmlns:a16="http://schemas.microsoft.com/office/drawing/2014/main" id="{E87E5839-2B53-4724-BCC7-9B8885B0BFBD}"/>
+              </a:ext>
+            </a:extLst>
+          </p:cNvPr>
+          <p:cNvSpPr>
+            <a:spLocks noChangeArrowheads="1"/>
+          </p:cNvSpPr>
+          <p:nvPr/>
+        </p:nvSpPr>
+        <p:spPr bwMode="auto">
+          <a:xfrm>
+            <a:off x="0" y="2147483647"/>
+            <a:ext cx="500063" cy="0"/>
+          </a:xfrm>
+          <a:prstGeom prst="rect">
+            <a:avLst/>
+          </a:prstGeom>
+          <a:solidFill>
+            <a:srgbClr val="FFFFFF"/>
+          </a:solidFill>
+          <a:ln>
+            <a:noFill/>
+          </a:ln>
+          <a:effectLst/>
+          <a:extLst>
+            <a:ext uri="{91240B29-F687-4F45-9708-019B960494DF}">
+              <a14:hiddenLine xmlns:a14="http://schemas.microsoft.com/office/drawing/2010/main" w="9525">
+                <a:solidFill>
+                  <a:schemeClr val="tx1"/>
+                </a:solidFill>
+                <a:miter lim="800000"/>
+                <a:headEnd/>
+                <a:tailEnd/>
+              </a14:hiddenLine>
+            </a:ext>
+            <a:ext uri="{AF507438-7753-43E0-B8FC-AC1667EBCBE1}">
+              <a14:hiddenEffects xmlns:a14="http://schemas.microsoft.com/office/drawing/2010/main">
+                <a:effectLst>
+                  <a:outerShdw dist="35921" dir="2700000" algn="ctr" rotWithShape="0">
+                    <a:schemeClr val="bg2"/>
+                  </a:outerShdw>
+                </a:effectLst>
+              </a14:hiddenEffects>
+            </a:ext>
+          </a:extLst>
+        </p:spPr>
+        <p:txBody>
+          <a:bodyPr vert="horz" wrap="square" lIns="91440" tIns="45720" rIns="91440" bIns="45720" numCol="1" anchor="ctr" anchorCtr="0" compatLnSpc="1">
+            <a:prstTxWarp prst="textNoShape">
+              <a:avLst/>
+            </a:prstTxWarp>
+            <a:spAutoFit/>
+          </a:bodyPr>
+          <a:lstStyle/>
+          <a:p>
+            <a:pPr marL="0" marR="0" lvl="0" indent="0" algn="r" defTabSz="914400" rtl="0" eaLnBrk="0" fontAlgn="base" latinLnBrk="0" hangingPunct="0">
+              <a:lnSpc>
+                <a:spcPct val="100000"/>
+              </a:lnSpc>
+              <a:spcBef>
+                <a:spcPct val="0"/>
+              </a:spcBef>
+              <a:spcAft>
+                <a:spcPct val="0"/>
+              </a:spcAft>
+              <a:buClrTx/>
+              <a:buSzTx/>
+              <a:buFontTx/>
+              <a:buNone/>
+              <a:tabLst/>
+            </a:pPr>
+            <a:r>
+              <a:rPr kumimoji="0" lang="en-US" altLang="en-US" sz="900" b="0" i="0" u="none" strike="noStrike" cap="none" normalizeH="0" baseline="0">
+                <a:ln>
+                  <a:noFill/>
+                </a:ln>
+                <a:solidFill>
+                  <a:srgbClr val="1D1C1D"/>
+                </a:solidFill>
+                <a:effectLst/>
+                <a:latin typeface="Slack-Lato"/>
+                <a:hlinkClick r:id="rId3"/>
+              </a:rPr>
+              <a:t>9:46</a:t>
+            </a:r>
+            <a:endParaRPr kumimoji="0" lang="en-US" altLang="en-US" sz="1100" b="0" i="0" u="none" strike="noStrike" cap="none" normalizeH="0" baseline="0">
+              <a:ln>
+                <a:noFill/>
+              </a:ln>
+              <a:solidFill>
+                <a:srgbClr val="1D1C1D"/>
+              </a:solidFill>
+              <a:effectLst/>
+              <a:latin typeface="Slack-Lato"/>
+            </a:endParaRPr>
+          </a:p>
+          <a:p>
+            <a:pPr marL="0" marR="0" lvl="0" indent="0" algn="l" defTabSz="914400" rtl="0" eaLnBrk="0" fontAlgn="base" latinLnBrk="0" hangingPunct="0">
+              <a:lnSpc>
+                <a:spcPct val="100000"/>
+              </a:lnSpc>
+              <a:spcBef>
+                <a:spcPct val="0"/>
+              </a:spcBef>
+              <a:spcAft>
+                <a:spcPct val="0"/>
+              </a:spcAft>
+              <a:buClrTx/>
+              <a:buSzTx/>
+              <a:buFontTx/>
+              <a:buNone/>
+              <a:tabLst/>
+            </a:pPr>
+            <a:r>
+              <a:rPr kumimoji="0" lang="en-US" altLang="en-US" sz="1100" b="0" i="0" u="none" strike="noStrike" cap="none" normalizeH="0" baseline="0">
+                <a:ln>
+                  <a:noFill/>
+                </a:ln>
+                <a:solidFill>
+                  <a:srgbClr val="1D1C1D"/>
+                </a:solidFill>
+                <a:effectLst/>
+                <a:latin typeface="Slack-Lato"/>
+              </a:rPr>
+              <a:t>The trajectory of online essentials and businesses that pivoted to online will continue to grow</a:t>
+            </a:r>
+            <a:endParaRPr kumimoji="0" lang="en-US" altLang="en-US" sz="1800" b="0" i="0" u="none" strike="noStrike" cap="none" normalizeH="0" baseline="0">
+              <a:ln>
+                <a:noFill/>
+              </a:ln>
+              <a:solidFill>
+                <a:schemeClr val="tx1"/>
+              </a:solidFill>
+              <a:effectLst/>
+              <a:latin typeface="Arial" panose="020B0604020202020204" pitchFamily="34" charset="0"/>
+            </a:endParaRPr>
+          </a:p>
+        </p:txBody>
+      </p:sp>
+      <p:sp>
+        <p:nvSpPr>
+          <p:cNvPr id="8" name="Rectangle 3">
+            <a:extLst>
+              <a:ext uri="{FF2B5EF4-FFF2-40B4-BE49-F238E27FC236}">
+                <a16:creationId xmlns:a16="http://schemas.microsoft.com/office/drawing/2014/main" id="{28DD9DC7-CF9D-4DF2-8FE8-78E81BF4040E}"/>
+              </a:ext>
+            </a:extLst>
+          </p:cNvPr>
+          <p:cNvSpPr>
+            <a:spLocks noChangeArrowheads="1"/>
+          </p:cNvSpPr>
+          <p:nvPr/>
+        </p:nvSpPr>
+        <p:spPr bwMode="auto">
+          <a:xfrm>
+            <a:off x="152400" y="2147483647"/>
+            <a:ext cx="12192000" cy="0"/>
+          </a:xfrm>
+          <a:prstGeom prst="rect">
+            <a:avLst/>
+          </a:prstGeom>
+          <a:solidFill>
+            <a:srgbClr val="FFFFFF"/>
+          </a:solidFill>
+          <a:ln>
+            <a:noFill/>
+          </a:ln>
+          <a:effectLst/>
+          <a:extLst>
+            <a:ext uri="{91240B29-F687-4F45-9708-019B960494DF}">
+              <a14:hiddenLine xmlns:a14="http://schemas.microsoft.com/office/drawing/2010/main" w="9525">
+                <a:solidFill>
+                  <a:schemeClr val="tx1"/>
+                </a:solidFill>
+                <a:miter lim="800000"/>
+                <a:headEnd/>
+                <a:tailEnd/>
+              </a14:hiddenLine>
+            </a:ext>
+            <a:ext uri="{AF507438-7753-43E0-B8FC-AC1667EBCBE1}">
+              <a14:hiddenEffects xmlns:a14="http://schemas.microsoft.com/office/drawing/2010/main">
+                <a:effectLst>
+                  <a:outerShdw dist="35921" dir="2700000" algn="ctr" rotWithShape="0">
+                    <a:schemeClr val="bg2"/>
+                  </a:outerShdw>
+                </a:effectLst>
+              </a14:hiddenEffects>
+            </a:ext>
+          </a:extLst>
+        </p:spPr>
+        <p:txBody>
+          <a:bodyPr vert="horz" wrap="none" lIns="91440" tIns="45720" rIns="91440" bIns="45720" numCol="1" anchor="ctr" anchorCtr="0" compatLnSpc="1">
+            <a:prstTxWarp prst="textNoShape">
+              <a:avLst/>
+            </a:prstTxWarp>
+            <a:spAutoFit/>
+          </a:bodyPr>
+          <a:lstStyle/>
+          <a:p>
+            <a:pPr marL="0" marR="0" lvl="0" indent="0" algn="l" defTabSz="914400" rtl="0" eaLnBrk="0" fontAlgn="base" latinLnBrk="0" hangingPunct="0">
+              <a:lnSpc>
+                <a:spcPct val="100000"/>
+              </a:lnSpc>
+              <a:spcBef>
+                <a:spcPct val="0"/>
+              </a:spcBef>
+              <a:spcAft>
+                <a:spcPct val="0"/>
+              </a:spcAft>
+              <a:buClrTx/>
+              <a:buSzTx/>
+              <a:buFontTx/>
+              <a:buNone/>
+              <a:tabLst/>
+            </a:pPr>
+            <a:r>
+              <a:rPr kumimoji="0" lang="en-US" altLang="en-US" sz="1100" b="0" i="0" u="none" strike="noStrike" cap="none" normalizeH="0" baseline="0">
+                <a:ln>
+                  <a:noFill/>
+                </a:ln>
+                <a:solidFill>
+                  <a:srgbClr val="1D1C1D"/>
+                </a:solidFill>
+                <a:effectLst/>
+                <a:latin typeface="Slack-Lato"/>
+              </a:rPr>
+              <a:t>The blue line represents the linear regression and the Trajectory of the Stock price.</a:t>
+            </a:r>
+          </a:p>
+          <a:p>
+            <a:pPr marL="0" marR="0" lvl="0" indent="0" algn="l" defTabSz="914400" rtl="0" eaLnBrk="0" fontAlgn="base" latinLnBrk="0" hangingPunct="0">
+              <a:lnSpc>
+                <a:spcPct val="100000"/>
+              </a:lnSpc>
+              <a:spcBef>
+                <a:spcPct val="0"/>
+              </a:spcBef>
+              <a:spcAft>
+                <a:spcPct val="0"/>
+              </a:spcAft>
+              <a:buClrTx/>
+              <a:buSzTx/>
+              <a:buFontTx/>
+              <a:buNone/>
+              <a:tabLst/>
+            </a:pPr>
+            <a:endParaRPr kumimoji="0" lang="en-US" altLang="en-US" sz="1800" b="0" i="0" u="none" strike="noStrike" cap="none" normalizeH="0" baseline="0">
+              <a:ln>
+                <a:noFill/>
+              </a:ln>
+              <a:solidFill>
+                <a:schemeClr val="tx1"/>
+              </a:solidFill>
+              <a:effectLst/>
+              <a:latin typeface="Arial" panose="020B0604020202020204" pitchFamily="34" charset="0"/>
+            </a:endParaRPr>
+          </a:p>
+        </p:txBody>
+      </p:sp>
+      <p:sp>
+        <p:nvSpPr>
+          <p:cNvPr id="9" name="Rectangle 4">
+            <a:extLst>
+              <a:ext uri="{FF2B5EF4-FFF2-40B4-BE49-F238E27FC236}">
+                <a16:creationId xmlns:a16="http://schemas.microsoft.com/office/drawing/2014/main" id="{1B19172C-4B38-4B6D-8854-65C3EA677704}"/>
+              </a:ext>
+            </a:extLst>
+          </p:cNvPr>
+          <p:cNvSpPr>
+            <a:spLocks noChangeArrowheads="1"/>
+          </p:cNvSpPr>
+          <p:nvPr/>
+        </p:nvSpPr>
+        <p:spPr bwMode="auto">
+          <a:xfrm>
+            <a:off x="152400" y="2147483647"/>
+            <a:ext cx="500063" cy="0"/>
+          </a:xfrm>
+          <a:prstGeom prst="rect">
+            <a:avLst/>
+          </a:prstGeom>
+          <a:solidFill>
+            <a:srgbClr val="FFFFFF"/>
+          </a:solidFill>
+          <a:ln>
+            <a:noFill/>
+          </a:ln>
+          <a:effectLst/>
+          <a:extLst>
+            <a:ext uri="{91240B29-F687-4F45-9708-019B960494DF}">
+              <a14:hiddenLine xmlns:a14="http://schemas.microsoft.com/office/drawing/2010/main" w="9525">
+                <a:solidFill>
+                  <a:schemeClr val="tx1"/>
+                </a:solidFill>
+                <a:miter lim="800000"/>
+                <a:headEnd/>
+                <a:tailEnd/>
+              </a14:hiddenLine>
+            </a:ext>
+            <a:ext uri="{AF507438-7753-43E0-B8FC-AC1667EBCBE1}">
+              <a14:hiddenEffects xmlns:a14="http://schemas.microsoft.com/office/drawing/2010/main">
+                <a:effectLst>
+                  <a:outerShdw dist="35921" dir="2700000" algn="ctr" rotWithShape="0">
+                    <a:schemeClr val="bg2"/>
+                  </a:outerShdw>
+                </a:effectLst>
+              </a14:hiddenEffects>
+            </a:ext>
+          </a:extLst>
+        </p:spPr>
+        <p:txBody>
+          <a:bodyPr vert="horz" wrap="square" lIns="91440" tIns="45720" rIns="91440" bIns="45720" numCol="1" anchor="ctr" anchorCtr="0" compatLnSpc="1">
+            <a:prstTxWarp prst="textNoShape">
+              <a:avLst/>
+            </a:prstTxWarp>
+            <a:spAutoFit/>
+          </a:bodyPr>
+          <a:lstStyle/>
+          <a:p>
+            <a:pPr marL="0" marR="0" lvl="0" indent="0" algn="r" defTabSz="914400" rtl="0" eaLnBrk="0" fontAlgn="base" latinLnBrk="0" hangingPunct="0">
+              <a:lnSpc>
+                <a:spcPct val="100000"/>
+              </a:lnSpc>
+              <a:spcBef>
+                <a:spcPct val="0"/>
+              </a:spcBef>
+              <a:spcAft>
+                <a:spcPct val="0"/>
+              </a:spcAft>
+              <a:buClrTx/>
+              <a:buSzTx/>
+              <a:buFontTx/>
+              <a:buNone/>
+              <a:tabLst/>
+            </a:pPr>
+            <a:r>
+              <a:rPr kumimoji="0" lang="en-US" altLang="en-US" sz="900" b="0" i="0" u="none" strike="noStrike" cap="none" normalizeH="0" baseline="0">
+                <a:ln>
+                  <a:noFill/>
+                </a:ln>
+                <a:solidFill>
+                  <a:srgbClr val="1D1C1D"/>
+                </a:solidFill>
+                <a:effectLst/>
+                <a:latin typeface="Slack-Lato"/>
+                <a:hlinkClick r:id="rId3"/>
+              </a:rPr>
+              <a:t>9:46</a:t>
+            </a:r>
+            <a:endParaRPr kumimoji="0" lang="en-US" altLang="en-US" sz="1100" b="0" i="0" u="none" strike="noStrike" cap="none" normalizeH="0" baseline="0">
+              <a:ln>
+                <a:noFill/>
+              </a:ln>
+              <a:solidFill>
+                <a:srgbClr val="1D1C1D"/>
+              </a:solidFill>
+              <a:effectLst/>
+              <a:latin typeface="Slack-Lato"/>
+            </a:endParaRPr>
+          </a:p>
+          <a:p>
+            <a:pPr marL="0" marR="0" lvl="0" indent="0" algn="l" defTabSz="914400" rtl="0" eaLnBrk="0" fontAlgn="base" latinLnBrk="0" hangingPunct="0">
+              <a:lnSpc>
+                <a:spcPct val="100000"/>
+              </a:lnSpc>
+              <a:spcBef>
+                <a:spcPct val="0"/>
+              </a:spcBef>
+              <a:spcAft>
+                <a:spcPct val="0"/>
+              </a:spcAft>
+              <a:buClrTx/>
+              <a:buSzTx/>
+              <a:buFontTx/>
+              <a:buNone/>
+              <a:tabLst/>
+            </a:pPr>
+            <a:r>
+              <a:rPr kumimoji="0" lang="en-US" altLang="en-US" sz="1100" b="0" i="0" u="none" strike="noStrike" cap="none" normalizeH="0" baseline="0">
+                <a:ln>
+                  <a:noFill/>
+                </a:ln>
+                <a:solidFill>
+                  <a:srgbClr val="1D1C1D"/>
+                </a:solidFill>
+                <a:effectLst/>
+                <a:latin typeface="Slack-Lato"/>
+              </a:rPr>
+              <a:t>The trajectory of online essentials and businesses that pivoted to online will continue to grow</a:t>
+            </a:r>
+            <a:endParaRPr kumimoji="0" lang="en-US" altLang="en-US" sz="1800" b="0" i="0" u="none" strike="noStrike" cap="none" normalizeH="0" baseline="0">
+              <a:ln>
+                <a:noFill/>
+              </a:ln>
+              <a:solidFill>
+                <a:schemeClr val="tx1"/>
+              </a:solidFill>
+              <a:effectLst/>
+              <a:latin typeface="Arial" panose="020B0604020202020204" pitchFamily="34" charset="0"/>
+            </a:endParaRPr>
           </a:p>
         </p:txBody>
       </p:sp>
     </p:spTree>
     <p:extLst>
       <p:ext uri="{BB962C8B-B14F-4D97-AF65-F5344CB8AC3E}">
-        <p14:creationId xmlns:p14="http://schemas.microsoft.com/office/powerpoint/2010/main" val="4237820923"/>
-      </p:ext>
-    </p:extLst>
-  </p:cSld>
-  <p:clrMapOvr>
-    <a:masterClrMapping/>
-  </p:clrMapOvr>
-</p:sld>
-</file>
-
-<file path=ppt/slides/slide12.xml><?xml version="1.0" encoding="utf-8"?>
-<p:sld xmlns:a="http://schemas.openxmlformats.org/drawingml/2006/main" xmlns:r="http://schemas.openxmlformats.org/officeDocument/2006/relationships" xmlns:p="http://schemas.openxmlformats.org/presentationml/2006/main">
-  <p:cSld>
-    <p:spTree>
-      <p:nvGrpSpPr>
-        <p:cNvPr id="1" name=""/>
-        <p:cNvGrpSpPr/>
-        <p:nvPr/>
-      </p:nvGrpSpPr>
-      <p:grpSpPr>
-        <a:xfrm>
-          <a:off x="0" y="0"/>
-          <a:ext cx="0" cy="0"/>
-          <a:chOff x="0" y="0"/>
-          <a:chExt cx="0" cy="0"/>
-        </a:xfrm>
-      </p:grpSpPr>
-      <p:sp>
-        <p:nvSpPr>
-          <p:cNvPr id="2" name="Title 1">
-            <a:extLst>
-              <a:ext uri="{FF2B5EF4-FFF2-40B4-BE49-F238E27FC236}">
-                <a16:creationId xmlns:a16="http://schemas.microsoft.com/office/drawing/2014/main" id="{E1F3D856-B050-432B-9DAC-1D8AD032113D}"/>
-              </a:ext>
-            </a:extLst>
-          </p:cNvPr>
-          <p:cNvSpPr>
-            <a:spLocks noGrp="1"/>
-          </p:cNvSpPr>
-          <p:nvPr>
-            <p:ph type="title"/>
-          </p:nvPr>
-        </p:nvSpPr>
-        <p:spPr/>
-        <p:txBody>
-          <a:bodyPr/>
-          <a:lstStyle/>
-          <a:p>
-            <a:r>
-              <a:rPr lang="en-US" dirty="0"/>
-              <a:t>Frank </a:t>
-            </a:r>
-          </a:p>
-        </p:txBody>
-      </p:sp>
-      <p:sp>
-        <p:nvSpPr>
-          <p:cNvPr id="3" name="Content Placeholder 2">
-            <a:extLst>
-              <a:ext uri="{FF2B5EF4-FFF2-40B4-BE49-F238E27FC236}">
-                <a16:creationId xmlns:a16="http://schemas.microsoft.com/office/drawing/2014/main" id="{B2E48045-3E03-447A-A8C6-BC9537EF17F5}"/>
-              </a:ext>
-            </a:extLst>
-          </p:cNvPr>
-          <p:cNvSpPr>
-            <a:spLocks noGrp="1"/>
-          </p:cNvSpPr>
-          <p:nvPr>
-            <p:ph idx="1"/>
-          </p:nvPr>
-        </p:nvSpPr>
-        <p:spPr/>
-        <p:txBody>
-          <a:bodyPr/>
-          <a:lstStyle/>
-          <a:p>
-            <a:endParaRPr lang="en-US"/>
-          </a:p>
-        </p:txBody>
-      </p:sp>
-    </p:spTree>
-    <p:extLst>
-      <p:ext uri="{BB962C8B-B14F-4D97-AF65-F5344CB8AC3E}">
-        <p14:creationId xmlns:p14="http://schemas.microsoft.com/office/powerpoint/2010/main" val="4035942740"/>
-      </p:ext>
-    </p:extLst>
-  </p:cSld>
-  <p:clrMapOvr>
-    <a:masterClrMapping/>
-  </p:clrMapOvr>
-</p:sld>
-</file>
-
-<file path=ppt/slides/slide13.xml><?xml version="1.0" encoding="utf-8"?>
-<p:sld xmlns:a="http://schemas.openxmlformats.org/drawingml/2006/main" xmlns:r="http://schemas.openxmlformats.org/officeDocument/2006/relationships" xmlns:p="http://schemas.openxmlformats.org/presentationml/2006/main">
-  <p:cSld>
-    <p:spTree>
-      <p:nvGrpSpPr>
-        <p:cNvPr id="1" name=""/>
-        <p:cNvGrpSpPr/>
-        <p:nvPr/>
-      </p:nvGrpSpPr>
-      <p:grpSpPr>
-        <a:xfrm>
-          <a:off x="0" y="0"/>
-          <a:ext cx="0" cy="0"/>
-          <a:chOff x="0" y="0"/>
-          <a:chExt cx="0" cy="0"/>
-        </a:xfrm>
-      </p:grpSpPr>
-    </p:spTree>
-    <p:extLst>
-      <p:ext uri="{BB962C8B-B14F-4D97-AF65-F5344CB8AC3E}">
-        <p14:creationId xmlns:p14="http://schemas.microsoft.com/office/powerpoint/2010/main" val="2976328442"/>
-      </p:ext>
-    </p:extLst>
-  </p:cSld>
-  <p:clrMapOvr>
-    <a:masterClrMapping/>
-  </p:clrMapOvr>
-</p:sld>
-</file>
-
-<file path=ppt/slides/slide14.xml><?xml version="1.0" encoding="utf-8"?>
-<p:sld xmlns:a="http://schemas.openxmlformats.org/drawingml/2006/main" xmlns:r="http://schemas.openxmlformats.org/officeDocument/2006/relationships" xmlns:p="http://schemas.openxmlformats.org/presentationml/2006/main">
-  <p:cSld>
-    <p:spTree>
-      <p:nvGrpSpPr>
-        <p:cNvPr id="1" name=""/>
-        <p:cNvGrpSpPr/>
-        <p:nvPr/>
-      </p:nvGrpSpPr>
-      <p:grpSpPr>
-        <a:xfrm>
-          <a:off x="0" y="0"/>
-          <a:ext cx="0" cy="0"/>
-          <a:chOff x="0" y="0"/>
-          <a:chExt cx="0" cy="0"/>
-        </a:xfrm>
-      </p:grpSpPr>
-    </p:spTree>
-    <p:extLst>
-      <p:ext uri="{BB962C8B-B14F-4D97-AF65-F5344CB8AC3E}">
-        <p14:creationId xmlns:p14="http://schemas.microsoft.com/office/powerpoint/2010/main" val="399377133"/>
-      </p:ext>
-    </p:extLst>
-  </p:cSld>
-  <p:clrMapOvr>
-    <a:masterClrMapping/>
-  </p:clrMapOvr>
-</p:sld>
-</file>
-
-<file path=ppt/slides/slide15.xml><?xml version="1.0" encoding="utf-8"?>
-<p:sld xmlns:a="http://schemas.openxmlformats.org/drawingml/2006/main" xmlns:r="http://schemas.openxmlformats.org/officeDocument/2006/relationships" xmlns:p="http://schemas.openxmlformats.org/presentationml/2006/main">
-  <p:cSld>
-    <p:spTree>
-      <p:nvGrpSpPr>
-        <p:cNvPr id="1" name=""/>
-        <p:cNvGrpSpPr/>
-        <p:nvPr/>
-      </p:nvGrpSpPr>
-      <p:grpSpPr>
-        <a:xfrm>
-          <a:off x="0" y="0"/>
-          <a:ext cx="0" cy="0"/>
-          <a:chOff x="0" y="0"/>
-          <a:chExt cx="0" cy="0"/>
-        </a:xfrm>
-      </p:grpSpPr>
-    </p:spTree>
-    <p:extLst>
-      <p:ext uri="{BB962C8B-B14F-4D97-AF65-F5344CB8AC3E}">
-        <p14:creationId xmlns:p14="http://schemas.microsoft.com/office/powerpoint/2010/main" val="2766361557"/>
-      </p:ext>
-    </p:extLst>
-  </p:cSld>
-  <p:clrMapOvr>
-    <a:masterClrMapping/>
-  </p:clrMapOvr>
-</p:sld>
-</file>
-
-<file path=ppt/slides/slide16.xml><?xml version="1.0" encoding="utf-8"?>
-<p:sld xmlns:a="http://schemas.openxmlformats.org/drawingml/2006/main" xmlns:r="http://schemas.openxmlformats.org/officeDocument/2006/relationships" xmlns:p="http://schemas.openxmlformats.org/presentationml/2006/main">
-  <p:cSld>
-    <p:spTree>
-      <p:nvGrpSpPr>
-        <p:cNvPr id="1" name=""/>
-        <p:cNvGrpSpPr/>
-        <p:nvPr/>
-      </p:nvGrpSpPr>
-      <p:grpSpPr>
-        <a:xfrm>
-          <a:off x="0" y="0"/>
-          <a:ext cx="0" cy="0"/>
-          <a:chOff x="0" y="0"/>
-          <a:chExt cx="0" cy="0"/>
-        </a:xfrm>
-      </p:grpSpPr>
-    </p:spTree>
-    <p:extLst>
-      <p:ext uri="{BB962C8B-B14F-4D97-AF65-F5344CB8AC3E}">
-        <p14:creationId xmlns:p14="http://schemas.microsoft.com/office/powerpoint/2010/main" val="3099683560"/>
-      </p:ext>
-    </p:extLst>
-  </p:cSld>
-  <p:clrMapOvr>
-    <a:masterClrMapping/>
-  </p:clrMapOvr>
-</p:sld>
-</file>
-
-<file path=ppt/slides/slide17.xml><?xml version="1.0" encoding="utf-8"?>
-<p:sld xmlns:a="http://schemas.openxmlformats.org/drawingml/2006/main" xmlns:r="http://schemas.openxmlformats.org/officeDocument/2006/relationships" xmlns:p="http://schemas.openxmlformats.org/presentationml/2006/main">
-  <p:cSld>
-    <p:spTree>
-      <p:nvGrpSpPr>
-        <p:cNvPr id="1" name=""/>
-        <p:cNvGrpSpPr/>
-        <p:nvPr/>
-      </p:nvGrpSpPr>
-      <p:grpSpPr>
-        <a:xfrm>
-          <a:off x="0" y="0"/>
-          <a:ext cx="0" cy="0"/>
-          <a:chOff x="0" y="0"/>
-          <a:chExt cx="0" cy="0"/>
-        </a:xfrm>
-      </p:grpSpPr>
-      <p:sp>
-        <p:nvSpPr>
-          <p:cNvPr id="2" name="Title 1">
-            <a:extLst>
-              <a:ext uri="{FF2B5EF4-FFF2-40B4-BE49-F238E27FC236}">
-                <a16:creationId xmlns:a16="http://schemas.microsoft.com/office/drawing/2014/main" id="{61B55E57-00BA-4DD1-870E-124BC3CA21EC}"/>
-              </a:ext>
-            </a:extLst>
-          </p:cNvPr>
-          <p:cNvSpPr>
-            <a:spLocks noGrp="1"/>
-          </p:cNvSpPr>
-          <p:nvPr>
-            <p:ph type="title"/>
-          </p:nvPr>
-        </p:nvSpPr>
-        <p:spPr/>
-        <p:txBody>
-          <a:bodyPr/>
-          <a:lstStyle/>
-          <a:p>
-            <a:r>
-              <a:rPr lang="en-US" dirty="0"/>
-              <a:t>Quang</a:t>
-            </a:r>
-          </a:p>
-        </p:txBody>
-      </p:sp>
-      <p:sp>
-        <p:nvSpPr>
-          <p:cNvPr id="3" name="Content Placeholder 2">
-            <a:extLst>
-              <a:ext uri="{FF2B5EF4-FFF2-40B4-BE49-F238E27FC236}">
-                <a16:creationId xmlns:a16="http://schemas.microsoft.com/office/drawing/2014/main" id="{B48B837F-19C9-4220-9401-E9E93835F0F4}"/>
-              </a:ext>
-            </a:extLst>
-          </p:cNvPr>
-          <p:cNvSpPr>
-            <a:spLocks noGrp="1"/>
-          </p:cNvSpPr>
-          <p:nvPr>
-            <p:ph idx="1"/>
-          </p:nvPr>
-        </p:nvSpPr>
-        <p:spPr/>
-        <p:txBody>
-          <a:bodyPr/>
-          <a:lstStyle/>
-          <a:p>
-            <a:endParaRPr lang="en-US" dirty="0"/>
-          </a:p>
-        </p:txBody>
-      </p:sp>
-    </p:spTree>
-    <p:extLst>
-      <p:ext uri="{BB962C8B-B14F-4D97-AF65-F5344CB8AC3E}">
-        <p14:creationId xmlns:p14="http://schemas.microsoft.com/office/powerpoint/2010/main" val="2449434546"/>
+        <p14:creationId xmlns:p14="http://schemas.microsoft.com/office/powerpoint/2010/main" val="4268892913"/>
       </p:ext>
     </p:extLst>
   </p:cSld>
@@ -3928,7 +4203,7 @@
           <p:cNvPr id="2" name="Title 1">
             <a:extLst>
               <a:ext uri="{FF2B5EF4-FFF2-40B4-BE49-F238E27FC236}">
-                <a16:creationId xmlns:a16="http://schemas.microsoft.com/office/drawing/2014/main" id="{37A5AF5C-1A2C-49C9-AD70-21FF2C164369}"/>
+                <a16:creationId xmlns:a16="http://schemas.microsoft.com/office/drawing/2014/main" id="{25567E33-D99A-43A3-8D77-C09B77657F6C}"/>
               </a:ext>
             </a:extLst>
           </p:cNvPr>
@@ -3945,41 +4220,118 @@
           <a:lstStyle/>
           <a:p>
             <a:r>
+              <a:rPr lang="en-US" b="0" i="0" dirty="0">
+                <a:solidFill>
+                  <a:srgbClr val="1D1C1D"/>
+                </a:solidFill>
+                <a:effectLst/>
+                <a:latin typeface="Slack-Lato"/>
+              </a:rPr>
+              <a:t>Pandemic analysis</a:t>
+            </a:r>
+            <a:endParaRPr lang="en-US" dirty="0"/>
+          </a:p>
+        </p:txBody>
+      </p:sp>
+      <p:sp>
+        <p:nvSpPr>
+          <p:cNvPr id="3" name="Content Placeholder 2">
+            <a:extLst>
+              <a:ext uri="{FF2B5EF4-FFF2-40B4-BE49-F238E27FC236}">
+                <a16:creationId xmlns:a16="http://schemas.microsoft.com/office/drawing/2014/main" id="{2F29A426-0A3E-4297-A24E-C08A8382B17E}"/>
+              </a:ext>
+            </a:extLst>
+          </p:cNvPr>
+          <p:cNvSpPr>
+            <a:spLocks noGrp="1"/>
+          </p:cNvSpPr>
+          <p:nvPr>
+            <p:ph idx="1"/>
+          </p:nvPr>
+        </p:nvSpPr>
+        <p:spPr/>
+        <p:txBody>
+          <a:bodyPr>
+            <a:normAutofit/>
+          </a:bodyPr>
+          <a:lstStyle/>
+          <a:p>
+            <a:r>
+              <a:rPr lang="en-US" b="0" i="0" dirty="0">
+                <a:solidFill>
+                  <a:srgbClr val="1D1C1D"/>
+                </a:solidFill>
+                <a:effectLst/>
+                <a:latin typeface="Slack-Lato"/>
+              </a:rPr>
+              <a:t>Since Covid-19 reached our shores, it has had an impact on all facets of life. The Pandemic Pandas decided to analyze the impacts to the retail sector.</a:t>
+            </a:r>
+            <a:br>
               <a:rPr lang="en-US" dirty="0"/>
-              <a:t>Ryan</a:t>
-            </a:r>
-          </a:p>
-        </p:txBody>
-      </p:sp>
-      <p:sp>
-        <p:nvSpPr>
-          <p:cNvPr id="3" name="Content Placeholder 2">
-            <a:extLst>
-              <a:ext uri="{FF2B5EF4-FFF2-40B4-BE49-F238E27FC236}">
-                <a16:creationId xmlns:a16="http://schemas.microsoft.com/office/drawing/2014/main" id="{34DC2E8D-0E9B-4E20-A5A2-90433E564F18}"/>
-              </a:ext>
-            </a:extLst>
-          </p:cNvPr>
-          <p:cNvSpPr>
-            <a:spLocks noGrp="1"/>
-          </p:cNvSpPr>
-          <p:nvPr>
-            <p:ph idx="1"/>
-          </p:nvPr>
-        </p:nvSpPr>
-        <p:spPr/>
-        <p:txBody>
-          <a:bodyPr/>
-          <a:lstStyle/>
-          <a:p>
-            <a:endParaRPr lang="en-US"/>
+            </a:br>
+            <a:r>
+              <a:rPr lang="en-US" b="0" i="0" dirty="0">
+                <a:solidFill>
+                  <a:srgbClr val="1D1C1D"/>
+                </a:solidFill>
+                <a:effectLst/>
+                <a:latin typeface="Slack-Lato"/>
+              </a:rPr>
+              <a:t> and more specifically the food service industry and brick and mortar department stores</a:t>
+            </a:r>
+          </a:p>
+          <a:p>
+            <a:pPr marL="0" indent="0">
+              <a:buNone/>
+            </a:pPr>
+            <a:br>
+              <a:rPr lang="en-US" dirty="0"/>
+            </a:br>
+            <a:r>
+              <a:rPr lang="en-US" b="0" i="0" dirty="0">
+                <a:solidFill>
+                  <a:srgbClr val="1D1C1D"/>
+                </a:solidFill>
+                <a:effectLst/>
+                <a:latin typeface="Slack-Lato"/>
+              </a:rPr>
+              <a:t> Our hypothesis:</a:t>
+            </a:r>
+          </a:p>
+          <a:p>
+            <a:r>
+              <a:rPr lang="en-US" b="0" i="0" dirty="0">
+                <a:solidFill>
+                  <a:srgbClr val="1D1C1D"/>
+                </a:solidFill>
+                <a:effectLst/>
+                <a:latin typeface="Slack-Lato"/>
+              </a:rPr>
+              <a:t>The pandemic had a negative impact on stock data and overall company evaluation numbers.</a:t>
+            </a:r>
+            <a:br>
+              <a:rPr lang="en-US" dirty="0"/>
+            </a:br>
+            <a:r>
+              <a:rPr lang="en-US" b="0" i="0" dirty="0">
+                <a:solidFill>
+                  <a:srgbClr val="1D1C1D"/>
+                </a:solidFill>
+                <a:effectLst/>
+                <a:latin typeface="Slack-Lato"/>
+              </a:rPr>
+              <a:t> Below are charts that will introduce you to our analysis</a:t>
+            </a:r>
+          </a:p>
+          <a:p>
+            <a:endParaRPr lang="en-US" dirty="0"/>
           </a:p>
         </p:txBody>
       </p:sp>
     </p:spTree>
     <p:extLst>
       <p:ext uri="{BB962C8B-B14F-4D97-AF65-F5344CB8AC3E}">
-        <p14:creationId xmlns:p14="http://schemas.microsoft.com/office/powerpoint/2010/main" val="1465838156"/>
+        <p14:creationId xmlns:p14="http://schemas.microsoft.com/office/powerpoint/2010/main" val="2033835192"/>
       </p:ext>
     </p:extLst>
   </p:cSld>
@@ -4006,10 +4358,159 @@
           <a:chExt cx="0" cy="0"/>
         </a:xfrm>
       </p:grpSpPr>
+      <p:sp>
+        <p:nvSpPr>
+          <p:cNvPr id="3" name="Text Placeholder 2">
+            <a:extLst>
+              <a:ext uri="{FF2B5EF4-FFF2-40B4-BE49-F238E27FC236}">
+                <a16:creationId xmlns:a16="http://schemas.microsoft.com/office/drawing/2014/main" id="{6482BFDC-8849-4129-9F7A-4AAFEDFE2B2D}"/>
+              </a:ext>
+            </a:extLst>
+          </p:cNvPr>
+          <p:cNvSpPr>
+            <a:spLocks noGrp="1"/>
+          </p:cNvSpPr>
+          <p:nvPr>
+            <p:ph type="body" idx="1"/>
+          </p:nvPr>
+        </p:nvSpPr>
+        <p:spPr>
+          <a:xfrm>
+            <a:off x="839788" y="1681163"/>
+            <a:ext cx="5256212" cy="1134226"/>
+          </a:xfrm>
+        </p:spPr>
+        <p:txBody>
+          <a:bodyPr>
+            <a:normAutofit fontScale="92500" lnSpcReduction="20000"/>
+          </a:bodyPr>
+          <a:lstStyle/>
+          <a:p>
+            <a:r>
+              <a:rPr lang="en-US" b="0" dirty="0">
+                <a:solidFill>
+                  <a:srgbClr val="1D1C1D"/>
+                </a:solidFill>
+                <a:latin typeface="Slack-Lato"/>
+              </a:rPr>
+              <a:t>N</a:t>
+            </a:r>
+            <a:r>
+              <a:rPr lang="en-US" sz="2400" b="0" i="0" dirty="0">
+                <a:solidFill>
+                  <a:srgbClr val="1D1C1D"/>
+                </a:solidFill>
+                <a:effectLst/>
+                <a:latin typeface="Slack-Lato"/>
+              </a:rPr>
+              <a:t>ew cases and new deaths in the US from Jan 2020 unit May 2021</a:t>
+            </a:r>
+            <a:endParaRPr lang="en-US" sz="2400" dirty="0"/>
+          </a:p>
+          <a:p>
+            <a:endParaRPr lang="en-US" dirty="0"/>
+          </a:p>
+        </p:txBody>
+      </p:sp>
+      <p:sp>
+        <p:nvSpPr>
+          <p:cNvPr id="5" name="Text Placeholder 4">
+            <a:extLst>
+              <a:ext uri="{FF2B5EF4-FFF2-40B4-BE49-F238E27FC236}">
+                <a16:creationId xmlns:a16="http://schemas.microsoft.com/office/drawing/2014/main" id="{FB51C48D-A15E-461F-8F9C-312DC18C7B14}"/>
+              </a:ext>
+            </a:extLst>
+          </p:cNvPr>
+          <p:cNvSpPr>
+            <a:spLocks noGrp="1"/>
+          </p:cNvSpPr>
+          <p:nvPr>
+            <p:ph type="body" sz="quarter" idx="3"/>
+          </p:nvPr>
+        </p:nvSpPr>
+        <p:spPr/>
+        <p:txBody>
+          <a:bodyPr>
+            <a:normAutofit fontScale="92500" lnSpcReduction="20000"/>
+          </a:bodyPr>
+          <a:lstStyle/>
+          <a:p>
+            <a:r>
+              <a:rPr lang="en-US" sz="2400" b="0" i="0" dirty="0">
+                <a:solidFill>
+                  <a:srgbClr val="1D1C1D"/>
+                </a:solidFill>
+                <a:effectLst/>
+                <a:latin typeface="Slack-Lato"/>
+              </a:rPr>
+              <a:t>First chart showing the overall food and retail store sales volumes from January 2018 until March 2021</a:t>
+            </a:r>
+            <a:endParaRPr lang="en-US" dirty="0"/>
+          </a:p>
+        </p:txBody>
+      </p:sp>
+      <p:pic>
+        <p:nvPicPr>
+          <p:cNvPr id="8" name="Content Placeholder 7">
+            <a:extLst>
+              <a:ext uri="{FF2B5EF4-FFF2-40B4-BE49-F238E27FC236}">
+                <a16:creationId xmlns:a16="http://schemas.microsoft.com/office/drawing/2014/main" id="{8346024D-242B-48FB-BD8E-1078C0A2BC3C}"/>
+              </a:ext>
+            </a:extLst>
+          </p:cNvPr>
+          <p:cNvPicPr>
+            <a:picLocks noGrp="1" noChangeAspect="1"/>
+          </p:cNvPicPr>
+          <p:nvPr>
+            <p:ph sz="quarter" idx="4"/>
+          </p:nvPr>
+        </p:nvPicPr>
+        <p:blipFill>
+          <a:blip r:embed="rId2"/>
+          <a:stretch>
+            <a:fillRect/>
+          </a:stretch>
+        </p:blipFill>
+        <p:spPr>
+          <a:xfrm>
+            <a:off x="6482556" y="2880519"/>
+            <a:ext cx="4448175" cy="2781300"/>
+          </a:xfrm>
+        </p:spPr>
+      </p:pic>
+      <p:pic>
+        <p:nvPicPr>
+          <p:cNvPr id="9" name="Content Placeholder 9">
+            <a:extLst>
+              <a:ext uri="{FF2B5EF4-FFF2-40B4-BE49-F238E27FC236}">
+                <a16:creationId xmlns:a16="http://schemas.microsoft.com/office/drawing/2014/main" id="{80D8785E-45A0-426E-B108-6CF3BD87E0B0}"/>
+              </a:ext>
+            </a:extLst>
+          </p:cNvPr>
+          <p:cNvPicPr>
+            <a:picLocks noGrp="1" noChangeAspect="1"/>
+          </p:cNvPicPr>
+          <p:nvPr>
+            <p:ph sz="half" idx="2"/>
+          </p:nvPr>
+        </p:nvPicPr>
+        <p:blipFill>
+          <a:blip r:embed="rId3"/>
+          <a:stretch>
+            <a:fillRect/>
+          </a:stretch>
+        </p:blipFill>
+        <p:spPr>
+          <a:xfrm>
+            <a:off x="1065371" y="2999874"/>
+            <a:ext cx="4564960" cy="2781300"/>
+          </a:xfrm>
+        </p:spPr>
+      </p:pic>
     </p:spTree>
     <p:extLst>
       <p:ext uri="{BB962C8B-B14F-4D97-AF65-F5344CB8AC3E}">
-        <p14:creationId xmlns:p14="http://schemas.microsoft.com/office/powerpoint/2010/main" val="3821360127"/>
+        <p14:creationId xmlns:p14="http://schemas.microsoft.com/office/powerpoint/2010/main" val="1734961388"/>
       </p:ext>
     </p:extLst>
   </p:cSld>
@@ -4036,10 +4537,111 @@
           <a:chExt cx="0" cy="0"/>
         </a:xfrm>
       </p:grpSpPr>
+      <p:sp>
+        <p:nvSpPr>
+          <p:cNvPr id="2" name="Title 1">
+            <a:extLst>
+              <a:ext uri="{FF2B5EF4-FFF2-40B4-BE49-F238E27FC236}">
+                <a16:creationId xmlns:a16="http://schemas.microsoft.com/office/drawing/2014/main" id="{88B0CCC7-4883-4D91-AF66-D97DF0CDA593}"/>
+              </a:ext>
+            </a:extLst>
+          </p:cNvPr>
+          <p:cNvSpPr>
+            <a:spLocks noGrp="1"/>
+          </p:cNvSpPr>
+          <p:nvPr>
+            <p:ph type="title"/>
+          </p:nvPr>
+        </p:nvSpPr>
+        <p:spPr/>
+        <p:txBody>
+          <a:bodyPr/>
+          <a:lstStyle/>
+          <a:p>
+            <a:r>
+              <a:rPr lang="en-US" b="0" i="0" dirty="0">
+                <a:solidFill>
+                  <a:srgbClr val="1D1C1D"/>
+                </a:solidFill>
+                <a:effectLst/>
+                <a:latin typeface="Slack-Lato"/>
+              </a:rPr>
+              <a:t>Results</a:t>
+            </a:r>
+            <a:endParaRPr lang="en-US" dirty="0"/>
+          </a:p>
+        </p:txBody>
+      </p:sp>
+      <p:sp>
+        <p:nvSpPr>
+          <p:cNvPr id="3" name="Content Placeholder 2">
+            <a:extLst>
+              <a:ext uri="{FF2B5EF4-FFF2-40B4-BE49-F238E27FC236}">
+                <a16:creationId xmlns:a16="http://schemas.microsoft.com/office/drawing/2014/main" id="{E69BC580-F92D-4D0A-943B-53C8F3E2DF28}"/>
+              </a:ext>
+            </a:extLst>
+          </p:cNvPr>
+          <p:cNvSpPr>
+            <a:spLocks noGrp="1"/>
+          </p:cNvSpPr>
+          <p:nvPr>
+            <p:ph idx="1"/>
+          </p:nvPr>
+        </p:nvSpPr>
+        <p:spPr/>
+        <p:txBody>
+          <a:bodyPr/>
+          <a:lstStyle/>
+          <a:p>
+            <a:pPr marL="0" indent="0">
+              <a:buNone/>
+            </a:pPr>
+            <a:r>
+              <a:rPr lang="en-US" b="0" i="0" dirty="0">
+                <a:solidFill>
+                  <a:srgbClr val="1D1C1D"/>
+                </a:solidFill>
+                <a:effectLst/>
+                <a:latin typeface="Slack-Lato"/>
+              </a:rPr>
+              <a:t>Based on the data number of daily infection and daily death rate are in correlation with the sales volume</a:t>
+            </a:r>
+            <a:br>
+              <a:rPr lang="en-US" dirty="0"/>
+            </a:br>
+            <a:r>
+              <a:rPr lang="en-US" b="0" i="0" dirty="0">
+                <a:solidFill>
+                  <a:srgbClr val="1D1C1D"/>
+                </a:solidFill>
+                <a:effectLst/>
+                <a:latin typeface="Slack-Lato"/>
+              </a:rPr>
+              <a:t>Of the food and retail sector. </a:t>
+            </a:r>
+          </a:p>
+          <a:p>
+            <a:pPr marL="0" indent="0">
+              <a:buNone/>
+            </a:pPr>
+            <a:r>
+              <a:rPr lang="en-US" b="0" i="0" dirty="0">
+                <a:solidFill>
+                  <a:srgbClr val="1D1C1D"/>
+                </a:solidFill>
+                <a:effectLst/>
+                <a:latin typeface="Slack-Lato"/>
+              </a:rPr>
+              <a:t>Once the Pandemic arrived you see the precipitous drop in the food and service industry vs the Retail sector which indicates a significant impact of the increase in infection rates to the food and service industry.</a:t>
+            </a:r>
+            <a:endParaRPr lang="en-US" dirty="0"/>
+          </a:p>
+        </p:txBody>
+      </p:sp>
     </p:spTree>
     <p:extLst>
       <p:ext uri="{BB962C8B-B14F-4D97-AF65-F5344CB8AC3E}">
-        <p14:creationId xmlns:p14="http://schemas.microsoft.com/office/powerpoint/2010/main" val="1493391770"/>
+        <p14:creationId xmlns:p14="http://schemas.microsoft.com/office/powerpoint/2010/main" val="2904161260"/>
       </p:ext>
     </p:extLst>
   </p:cSld>
@@ -4071,7 +4673,7 @@
           <p:cNvPr id="2" name="Title 1">
             <a:extLst>
               <a:ext uri="{FF2B5EF4-FFF2-40B4-BE49-F238E27FC236}">
-                <a16:creationId xmlns:a16="http://schemas.microsoft.com/office/drawing/2014/main" id="{30E42743-449E-441A-B22B-577CB515868A}"/>
+                <a16:creationId xmlns:a16="http://schemas.microsoft.com/office/drawing/2014/main" id="{83145691-BFD1-4DA0-9A87-EF697705A357}"/>
               </a:ext>
             </a:extLst>
           </p:cNvPr>
@@ -4088,9 +4690,25 @@
           <a:lstStyle/>
           <a:p>
             <a:r>
-              <a:rPr lang="en-US" dirty="0" err="1"/>
-              <a:t>Bilikisu</a:t>
-            </a:r>
+              <a:rPr lang="en-US" dirty="0">
+                <a:latin typeface="Calibri" panose="020F0502020204030204" pitchFamily="34" charset="0"/>
+                <a:cs typeface="Times New Roman" panose="02020603050405020304" pitchFamily="18" charset="0"/>
+              </a:rPr>
+              <a:t>P</a:t>
+            </a:r>
+            <a:r>
+              <a:rPr lang="en-US" sz="4400" dirty="0">
+                <a:latin typeface="Calibri" panose="020F0502020204030204" pitchFamily="34" charset="0"/>
+                <a:cs typeface="Times New Roman" panose="02020603050405020304" pitchFamily="18" charset="0"/>
+              </a:rPr>
+              <a:t>rocess</a:t>
+            </a:r>
+            <a:br>
+              <a:rPr lang="en-US" sz="4400" dirty="0">
+                <a:latin typeface="Calibri" panose="020F0502020204030204" pitchFamily="34" charset="0"/>
+                <a:cs typeface="Times New Roman" panose="02020603050405020304" pitchFamily="18" charset="0"/>
+              </a:rPr>
+            </a:br>
             <a:endParaRPr lang="en-US" dirty="0"/>
           </a:p>
         </p:txBody>
@@ -4100,7 +4718,7 @@
           <p:cNvPr id="3" name="Content Placeholder 2">
             <a:extLst>
               <a:ext uri="{FF2B5EF4-FFF2-40B4-BE49-F238E27FC236}">
-                <a16:creationId xmlns:a16="http://schemas.microsoft.com/office/drawing/2014/main" id="{488686BE-4341-46BD-8A29-1FF2D24DDDED}"/>
+                <a16:creationId xmlns:a16="http://schemas.microsoft.com/office/drawing/2014/main" id="{229384CE-97F7-4DE4-B933-86E336BDFB20}"/>
               </a:ext>
             </a:extLst>
           </p:cNvPr>
@@ -4118,303 +4736,155 @@
           </a:bodyPr>
           <a:lstStyle/>
           <a:p>
-            <a:r>
-              <a:rPr lang="en-US" sz="1800" dirty="0">
+            <a:pPr marL="285750" indent="-285750">
+              <a:buFont typeface="Arial" panose="020B0604020202020204" pitchFamily="34" charset="0"/>
+              <a:buChar char="•"/>
+            </a:pPr>
+            <a:r>
+              <a:rPr lang="en-US" sz="2000" dirty="0">
+                <a:latin typeface="Calibri" panose="020F0502020204030204" pitchFamily="34" charset="0"/>
+                <a:cs typeface="Times New Roman" panose="02020603050405020304" pitchFamily="18" charset="0"/>
+              </a:rPr>
+              <a:t>Data was pull from census.gov and separated to pre and post pandemic timeframe from the following retail sector, </a:t>
+            </a:r>
+          </a:p>
+          <a:p>
+            <a:pPr marL="457200" lvl="1" indent="0">
+              <a:buNone/>
+            </a:pPr>
+            <a:r>
+              <a:rPr lang="en-US" sz="2000" dirty="0">
                 <a:effectLst/>
                 <a:latin typeface="Calibri" panose="020F0502020204030204" pitchFamily="34" charset="0"/>
                 <a:ea typeface="Calibri" panose="020F0502020204030204" pitchFamily="34" charset="0"/>
                 <a:cs typeface="Times New Roman" panose="02020603050405020304" pitchFamily="18" charset="0"/>
               </a:rPr>
-              <a:t>Pandemic affected the whole world and not just the retail. </a:t>
-            </a:r>
-          </a:p>
-          <a:p>
-            <a:r>
-              <a:rPr lang="en-US" sz="1800" i="1" dirty="0">
+              <a:t>Department</a:t>
+            </a:r>
+            <a:r>
+              <a:rPr lang="en-US" sz="2000" dirty="0">
                 <a:latin typeface="Calibri" panose="020F0502020204030204" pitchFamily="34" charset="0"/>
                 <a:ea typeface="Calibri" panose="020F0502020204030204" pitchFamily="34" charset="0"/>
                 <a:cs typeface="Times New Roman" panose="02020603050405020304" pitchFamily="18" charset="0"/>
               </a:rPr>
-              <a:t>We look at the following sectors of retail</a:t>
-            </a:r>
-          </a:p>
-          <a:p>
-            <a:pPr marL="1028700" lvl="2" indent="-342900">
-              <a:lnSpc>
-                <a:spcPct val="107000"/>
-              </a:lnSpc>
-              <a:spcBef>
-                <a:spcPts val="0"/>
-              </a:spcBef>
-              <a:spcAft>
-                <a:spcPts val="800"/>
-              </a:spcAft>
-              <a:buFont typeface="+mj-lt"/>
-              <a:buAutoNum type="arabicPeriod"/>
-            </a:pPr>
-            <a:r>
-              <a:rPr lang="en-US" sz="1000" b="1" i="1" dirty="0" err="1">
-                <a:latin typeface="Calibri" panose="020F0502020204030204" pitchFamily="34" charset="0"/>
-                <a:ea typeface="Calibri" panose="020F0502020204030204" pitchFamily="34" charset="0"/>
-                <a:cs typeface="Times New Roman" panose="02020603050405020304" pitchFamily="18" charset="0"/>
-              </a:rPr>
-              <a:t>D</a:t>
-            </a:r>
-            <a:r>
-              <a:rPr lang="en-US" sz="1000" b="1" i="1" dirty="0" err="1">
+              <a:t> s</a:t>
+            </a:r>
+            <a:r>
+              <a:rPr lang="en-US" sz="2000" dirty="0">
                 <a:effectLst/>
                 <a:latin typeface="Calibri" panose="020F0502020204030204" pitchFamily="34" charset="0"/>
                 <a:ea typeface="Calibri" panose="020F0502020204030204" pitchFamily="34" charset="0"/>
                 <a:cs typeface="Times New Roman" panose="02020603050405020304" pitchFamily="18" charset="0"/>
               </a:rPr>
-              <a:t>epartment_Stores</a:t>
-            </a:r>
-            <a:r>
-              <a:rPr lang="en-US" sz="1000" b="1" i="1" dirty="0">
+              <a:t>tores, </a:t>
+            </a:r>
+            <a:r>
+              <a:rPr lang="en-US" sz="2000" dirty="0">
+                <a:latin typeface="Calibri" panose="020F0502020204030204" pitchFamily="34" charset="0"/>
+                <a:ea typeface="Calibri" panose="020F0502020204030204" pitchFamily="34" charset="0"/>
+                <a:cs typeface="Times New Roman" panose="02020603050405020304" pitchFamily="18" charset="0"/>
+              </a:rPr>
+              <a:t>e</a:t>
+            </a:r>
+            <a:r>
+              <a:rPr lang="en-US" sz="2000" dirty="0">
                 <a:effectLst/>
                 <a:latin typeface="Calibri" panose="020F0502020204030204" pitchFamily="34" charset="0"/>
                 <a:ea typeface="Calibri" panose="020F0502020204030204" pitchFamily="34" charset="0"/>
                 <a:cs typeface="Times New Roman" panose="02020603050405020304" pitchFamily="18" charset="0"/>
               </a:rPr>
-              <a:t>       </a:t>
-            </a:r>
-          </a:p>
-          <a:p>
-            <a:pPr marL="1028700" lvl="2" indent="-342900">
-              <a:lnSpc>
-                <a:spcPct val="107000"/>
-              </a:lnSpc>
-              <a:spcBef>
-                <a:spcPts val="0"/>
-              </a:spcBef>
-              <a:spcAft>
-                <a:spcPts val="800"/>
-              </a:spcAft>
-              <a:buFont typeface="+mj-lt"/>
-              <a:buAutoNum type="arabicPeriod"/>
-            </a:pPr>
-            <a:r>
-              <a:rPr lang="en-US" sz="1000" b="1" i="1" dirty="0" err="1">
+              <a:t>lectronics and appliances, </a:t>
+            </a:r>
+            <a:r>
+              <a:rPr lang="en-US" sz="2000" dirty="0">
+                <a:latin typeface="Calibri" panose="020F0502020204030204" pitchFamily="34" charset="0"/>
+                <a:ea typeface="Calibri" panose="020F0502020204030204" pitchFamily="34" charset="0"/>
+                <a:cs typeface="Times New Roman" panose="02020603050405020304" pitchFamily="18" charset="0"/>
+              </a:rPr>
+              <a:t>f</a:t>
+            </a:r>
+            <a:r>
+              <a:rPr lang="en-US" sz="2000" dirty="0">
                 <a:effectLst/>
                 <a:latin typeface="Calibri" panose="020F0502020204030204" pitchFamily="34" charset="0"/>
                 <a:ea typeface="Calibri" panose="020F0502020204030204" pitchFamily="34" charset="0"/>
                 <a:cs typeface="Times New Roman" panose="02020603050405020304" pitchFamily="18" charset="0"/>
               </a:rPr>
-              <a:t>Electronics_Appli</a:t>
-            </a:r>
-            <a:r>
-              <a:rPr lang="en-US" sz="1000" b="1" i="1" dirty="0">
+              <a:t>ood service and drink, food and beverage, furniture and home </a:t>
+            </a:r>
+            <a:r>
+              <a:rPr lang="en-US" sz="2000" dirty="0">
+                <a:latin typeface="Calibri" panose="020F0502020204030204" pitchFamily="34" charset="0"/>
+                <a:ea typeface="Calibri" panose="020F0502020204030204" pitchFamily="34" charset="0"/>
+                <a:cs typeface="Times New Roman" panose="02020603050405020304" pitchFamily="18" charset="0"/>
+              </a:rPr>
+              <a:t>f</a:t>
+            </a:r>
+            <a:r>
+              <a:rPr lang="en-US" sz="2000" dirty="0">
                 <a:effectLst/>
                 <a:latin typeface="Calibri" panose="020F0502020204030204" pitchFamily="34" charset="0"/>
                 <a:ea typeface="Calibri" panose="020F0502020204030204" pitchFamily="34" charset="0"/>
                 <a:cs typeface="Times New Roman" panose="02020603050405020304" pitchFamily="18" charset="0"/>
               </a:rPr>
-              <a:t>        </a:t>
-            </a:r>
-          </a:p>
-          <a:p>
-            <a:pPr marL="1028700" lvl="2" indent="-342900">
-              <a:lnSpc>
-                <a:spcPct val="107000"/>
-              </a:lnSpc>
-              <a:spcBef>
-                <a:spcPts val="0"/>
-              </a:spcBef>
-              <a:spcAft>
-                <a:spcPts val="800"/>
-              </a:spcAft>
-              <a:buFont typeface="+mj-lt"/>
-              <a:buAutoNum type="arabicPeriod"/>
-            </a:pPr>
-            <a:r>
-              <a:rPr lang="en-US" sz="1000" b="1" i="1" dirty="0" err="1">
+              <a:t>urnishing ,health </a:t>
+            </a:r>
+            <a:r>
+              <a:rPr lang="en-US" sz="2000" dirty="0">
+                <a:latin typeface="Calibri" panose="020F0502020204030204" pitchFamily="34" charset="0"/>
+                <a:ea typeface="Calibri" panose="020F0502020204030204" pitchFamily="34" charset="0"/>
+                <a:cs typeface="Times New Roman" panose="02020603050405020304" pitchFamily="18" charset="0"/>
+              </a:rPr>
+              <a:t>and p</a:t>
+            </a:r>
+            <a:r>
+              <a:rPr lang="en-US" sz="2000" dirty="0">
                 <a:effectLst/>
                 <a:latin typeface="Calibri" panose="020F0502020204030204" pitchFamily="34" charset="0"/>
                 <a:ea typeface="Calibri" panose="020F0502020204030204" pitchFamily="34" charset="0"/>
                 <a:cs typeface="Times New Roman" panose="02020603050405020304" pitchFamily="18" charset="0"/>
               </a:rPr>
-              <a:t>Food_Serv_Drink</a:t>
-            </a:r>
-            <a:r>
-              <a:rPr lang="en-US" sz="1000" b="1" i="1" dirty="0">
+              <a:t>ersonal</a:t>
+            </a:r>
+            <a:r>
+              <a:rPr lang="en-US" sz="2000" dirty="0">
+                <a:latin typeface="Calibri" panose="020F0502020204030204" pitchFamily="34" charset="0"/>
+                <a:ea typeface="Calibri" panose="020F0502020204030204" pitchFamily="34" charset="0"/>
+                <a:cs typeface="Times New Roman" panose="02020603050405020304" pitchFamily="18" charset="0"/>
+              </a:rPr>
+              <a:t> c</a:t>
+            </a:r>
+            <a:r>
+              <a:rPr lang="en-US" sz="2000" dirty="0">
                 <a:effectLst/>
                 <a:latin typeface="Calibri" panose="020F0502020204030204" pitchFamily="34" charset="0"/>
                 <a:ea typeface="Calibri" panose="020F0502020204030204" pitchFamily="34" charset="0"/>
                 <a:cs typeface="Times New Roman" panose="02020603050405020304" pitchFamily="18" charset="0"/>
               </a:rPr>
-              <a:t>         </a:t>
-            </a:r>
-          </a:p>
-          <a:p>
-            <a:pPr marL="1028700" lvl="2" indent="-342900">
-              <a:lnSpc>
-                <a:spcPct val="107000"/>
-              </a:lnSpc>
-              <a:spcBef>
-                <a:spcPts val="0"/>
-              </a:spcBef>
-              <a:spcAft>
-                <a:spcPts val="800"/>
-              </a:spcAft>
-              <a:buFont typeface="+mj-lt"/>
-              <a:buAutoNum type="arabicPeriod"/>
-            </a:pPr>
-            <a:r>
-              <a:rPr lang="en-US" sz="1000" b="1" i="1" dirty="0" err="1">
+              <a:t>are </a:t>
+            </a:r>
+            <a:r>
+              <a:rPr lang="en-US" sz="2000" i="1" dirty="0">
                 <a:effectLst/>
                 <a:latin typeface="Calibri" panose="020F0502020204030204" pitchFamily="34" charset="0"/>
                 <a:ea typeface="Calibri" panose="020F0502020204030204" pitchFamily="34" charset="0"/>
                 <a:cs typeface="Times New Roman" panose="02020603050405020304" pitchFamily="18" charset="0"/>
               </a:rPr>
-              <a:t>Food_Beverage</a:t>
-            </a:r>
-            <a:r>
-              <a:rPr lang="en-US" sz="1000" b="1" i="1" dirty="0">
-                <a:effectLst/>
-                <a:latin typeface="Calibri" panose="020F0502020204030204" pitchFamily="34" charset="0"/>
-                <a:ea typeface="Calibri" panose="020F0502020204030204" pitchFamily="34" charset="0"/>
-                <a:cs typeface="Times New Roman" panose="02020603050405020304" pitchFamily="18" charset="0"/>
-              </a:rPr>
-              <a:t>           </a:t>
-            </a:r>
-          </a:p>
-          <a:p>
-            <a:pPr marL="1028700" lvl="2" indent="-342900">
-              <a:lnSpc>
-                <a:spcPct val="107000"/>
-              </a:lnSpc>
-              <a:spcBef>
-                <a:spcPts val="0"/>
-              </a:spcBef>
-              <a:spcAft>
-                <a:spcPts val="800"/>
-              </a:spcAft>
-              <a:buFont typeface="+mj-lt"/>
-              <a:buAutoNum type="arabicPeriod"/>
+              <a:t>   </a:t>
+            </a:r>
+          </a:p>
+          <a:p>
+            <a:pPr marL="285750" indent="-285750">
+              <a:buFont typeface="Arial" panose="020B0604020202020204" pitchFamily="34" charset="0"/>
+              <a:buChar char="•"/>
             </a:pPr>
             <a:r>
-              <a:rPr lang="en-US" sz="1000" b="1" i="1" dirty="0" err="1">
-                <a:effectLst/>
-                <a:latin typeface="Calibri" panose="020F0502020204030204" pitchFamily="34" charset="0"/>
-                <a:ea typeface="Calibri" panose="020F0502020204030204" pitchFamily="34" charset="0"/>
-                <a:cs typeface="Times New Roman" panose="02020603050405020304" pitchFamily="18" charset="0"/>
-              </a:rPr>
-              <a:t>Furniture_HomeFurnis</a:t>
-            </a:r>
-            <a:r>
-              <a:rPr lang="en-US" sz="1000" b="1" i="1" dirty="0">
-                <a:effectLst/>
-                <a:latin typeface="Calibri" panose="020F0502020204030204" pitchFamily="34" charset="0"/>
-                <a:ea typeface="Calibri" panose="020F0502020204030204" pitchFamily="34" charset="0"/>
-                <a:cs typeface="Times New Roman" panose="02020603050405020304" pitchFamily="18" charset="0"/>
-              </a:rPr>
-              <a:t>     </a:t>
-            </a:r>
-          </a:p>
-          <a:p>
-            <a:pPr marL="1028700" lvl="2" indent="-342900">
-              <a:lnSpc>
-                <a:spcPct val="107000"/>
-              </a:lnSpc>
-              <a:spcBef>
-                <a:spcPts val="0"/>
-              </a:spcBef>
-              <a:spcAft>
-                <a:spcPts val="800"/>
-              </a:spcAft>
-              <a:buFont typeface="+mj-lt"/>
-              <a:buAutoNum type="arabicPeriod"/>
-            </a:pPr>
-            <a:r>
-              <a:rPr lang="en-US" sz="1000" b="1" i="1" dirty="0" err="1">
-                <a:latin typeface="Calibri" panose="020F0502020204030204" pitchFamily="34" charset="0"/>
-                <a:ea typeface="Calibri" panose="020F0502020204030204" pitchFamily="34" charset="0"/>
-                <a:cs typeface="Times New Roman" panose="02020603050405020304" pitchFamily="18" charset="0"/>
-              </a:rPr>
-              <a:t>H</a:t>
-            </a:r>
-            <a:r>
-              <a:rPr lang="en-US" sz="1000" b="1" i="1" dirty="0" err="1">
-                <a:effectLst/>
-                <a:latin typeface="Calibri" panose="020F0502020204030204" pitchFamily="34" charset="0"/>
-                <a:ea typeface="Calibri" panose="020F0502020204030204" pitchFamily="34" charset="0"/>
-                <a:cs typeface="Times New Roman" panose="02020603050405020304" pitchFamily="18" charset="0"/>
-              </a:rPr>
-              <a:t>ealth_Personal_Care</a:t>
-            </a:r>
-            <a:r>
-              <a:rPr lang="en-US" sz="1000" i="1" dirty="0">
-                <a:effectLst/>
-                <a:latin typeface="Calibri" panose="020F0502020204030204" pitchFamily="34" charset="0"/>
-                <a:ea typeface="Calibri" panose="020F0502020204030204" pitchFamily="34" charset="0"/>
-                <a:cs typeface="Times New Roman" panose="02020603050405020304" pitchFamily="18" charset="0"/>
-              </a:rPr>
-              <a:t>    </a:t>
-            </a:r>
-          </a:p>
-          <a:p>
-            <a:r>
-              <a:rPr lang="en-US" sz="1800" dirty="0">
-                <a:latin typeface="Calibri" panose="020F0502020204030204" pitchFamily="34" charset="0"/>
-                <a:ea typeface="Calibri" panose="020F0502020204030204" pitchFamily="34" charset="0"/>
-                <a:cs typeface="Times New Roman" panose="02020603050405020304" pitchFamily="18" charset="0"/>
-              </a:rPr>
-              <a:t>R</a:t>
-            </a:r>
-            <a:r>
-              <a:rPr lang="en-US" sz="1800" dirty="0">
-                <a:effectLst/>
-                <a:latin typeface="Calibri" panose="020F0502020204030204" pitchFamily="34" charset="0"/>
-                <a:ea typeface="Calibri" panose="020F0502020204030204" pitchFamily="34" charset="0"/>
-                <a:cs typeface="Times New Roman" panose="02020603050405020304" pitchFamily="18" charset="0"/>
-              </a:rPr>
-              <a:t>etail was mostly affected due to the lockdown </a:t>
-            </a:r>
-            <a:r>
-              <a:rPr lang="en-US" sz="1800" dirty="0">
+              <a:rPr lang="en-US" sz="2000" dirty="0">
                 <a:latin typeface="Calibri" panose="020F0502020204030204" pitchFamily="34" charset="0"/>
                 <a:cs typeface="Times New Roman" panose="02020603050405020304" pitchFamily="18" charset="0"/>
               </a:rPr>
-              <a:t>and</a:t>
-            </a:r>
-            <a:r>
-              <a:rPr lang="en-US" sz="1800" dirty="0">
-                <a:effectLst/>
-                <a:latin typeface="Calibri" panose="020F0502020204030204" pitchFamily="34" charset="0"/>
-                <a:ea typeface="Calibri" panose="020F0502020204030204" pitchFamily="34" charset="0"/>
-                <a:cs typeface="Times New Roman" panose="02020603050405020304" pitchFamily="18" charset="0"/>
-              </a:rPr>
-              <a:t> both consumer and retail store have to pivot to online e-commerce. </a:t>
-            </a:r>
-          </a:p>
-          <a:p>
-            <a:r>
-              <a:rPr lang="en-US" sz="1800" dirty="0">
-                <a:latin typeface="Calibri" panose="020F0502020204030204" pitchFamily="34" charset="0"/>
-                <a:cs typeface="Times New Roman" panose="02020603050405020304" pitchFamily="18" charset="0"/>
-              </a:rPr>
-              <a:t>The below plot show the pre-pandemic sales and the dip across all over different area of retail. </a:t>
-            </a:r>
-          </a:p>
-          <a:p>
-            <a:endParaRPr lang="en-US" sz="1800" dirty="0">
-              <a:latin typeface="Calibri" panose="020F0502020204030204" pitchFamily="34" charset="0"/>
-              <a:cs typeface="Times New Roman" panose="02020603050405020304" pitchFamily="18" charset="0"/>
-            </a:endParaRPr>
-          </a:p>
-          <a:p>
-            <a:endParaRPr lang="en-US" sz="1800" dirty="0">
-              <a:latin typeface="Calibri" panose="020F0502020204030204" pitchFamily="34" charset="0"/>
-              <a:cs typeface="Times New Roman" panose="02020603050405020304" pitchFamily="18" charset="0"/>
-            </a:endParaRPr>
-          </a:p>
-          <a:p>
-            <a:endParaRPr lang="en-US" sz="1800" dirty="0">
-              <a:latin typeface="Calibri" panose="020F0502020204030204" pitchFamily="34" charset="0"/>
-              <a:cs typeface="Times New Roman" panose="02020603050405020304" pitchFamily="18" charset="0"/>
-            </a:endParaRPr>
-          </a:p>
-          <a:p>
+              <a:t>Analysis was performed on the data, by calculating the mean , standard deviation and also sales correlation.</a:t>
+            </a:r>
             <a:endParaRPr lang="en-US" dirty="0"/>
           </a:p>
         </p:txBody>
@@ -4422,7 +4892,7 @@
     </p:spTree>
     <p:extLst>
       <p:ext uri="{BB962C8B-B14F-4D97-AF65-F5344CB8AC3E}">
-        <p14:creationId xmlns:p14="http://schemas.microsoft.com/office/powerpoint/2010/main" val="855073547"/>
+        <p14:creationId xmlns:p14="http://schemas.microsoft.com/office/powerpoint/2010/main" val="2034420460"/>
       </p:ext>
     </p:extLst>
   </p:cSld>
@@ -4449,12 +4919,42 @@
           <a:chExt cx="0" cy="0"/>
         </a:xfrm>
       </p:grpSpPr>
+      <p:pic>
+        <p:nvPicPr>
+          <p:cNvPr id="3" name="Picture 2">
+            <a:extLst>
+              <a:ext uri="{FF2B5EF4-FFF2-40B4-BE49-F238E27FC236}">
+                <a16:creationId xmlns:a16="http://schemas.microsoft.com/office/drawing/2014/main" id="{8F98813E-2A2E-4C4E-B3F7-09DE39DC0A21}"/>
+              </a:ext>
+            </a:extLst>
+          </p:cNvPr>
+          <p:cNvPicPr>
+            <a:picLocks noChangeAspect="1"/>
+          </p:cNvPicPr>
+          <p:nvPr/>
+        </p:nvPicPr>
+        <p:blipFill>
+          <a:blip r:embed="rId2"/>
+          <a:stretch>
+            <a:fillRect/>
+          </a:stretch>
+        </p:blipFill>
+        <p:spPr>
+          <a:xfrm>
+            <a:off x="2069431" y="2493689"/>
+            <a:ext cx="5831306" cy="3817014"/>
+          </a:xfrm>
+          <a:prstGeom prst="rect">
+            <a:avLst/>
+          </a:prstGeom>
+        </p:spPr>
+      </p:pic>
       <p:sp>
         <p:nvSpPr>
           <p:cNvPr id="2" name="Title 1">
             <a:extLst>
               <a:ext uri="{FF2B5EF4-FFF2-40B4-BE49-F238E27FC236}">
-                <a16:creationId xmlns:a16="http://schemas.microsoft.com/office/drawing/2014/main" id="{83145691-BFD1-4DA0-9A87-EF697705A357}"/>
+                <a16:creationId xmlns:a16="http://schemas.microsoft.com/office/drawing/2014/main" id="{B1403484-3D84-47F8-B118-716C69B9511D}"/>
               </a:ext>
             </a:extLst>
           </p:cNvPr>
@@ -4467,39 +4967,24 @@
         </p:nvSpPr>
         <p:spPr/>
         <p:txBody>
-          <a:bodyPr/>
-          <a:lstStyle/>
-          <a:p>
-            <a:r>
-              <a:rPr lang="en-US" dirty="0">
-                <a:latin typeface="Calibri" panose="020F0502020204030204" pitchFamily="34" charset="0"/>
-                <a:cs typeface="Times New Roman" panose="02020603050405020304" pitchFamily="18" charset="0"/>
-              </a:rPr>
-              <a:t>P</a:t>
-            </a:r>
-            <a:r>
-              <a:rPr lang="en-US" sz="4400" dirty="0">
-                <a:latin typeface="Calibri" panose="020F0502020204030204" pitchFamily="34" charset="0"/>
-                <a:cs typeface="Times New Roman" panose="02020603050405020304" pitchFamily="18" charset="0"/>
-              </a:rPr>
-              <a:t>rocess</a:t>
-            </a:r>
-            <a:br>
-              <a:rPr lang="en-US" sz="4400" dirty="0">
-                <a:latin typeface="Calibri" panose="020F0502020204030204" pitchFamily="34" charset="0"/>
-                <a:cs typeface="Times New Roman" panose="02020603050405020304" pitchFamily="18" charset="0"/>
-              </a:rPr>
-            </a:br>
-            <a:endParaRPr lang="en-US" dirty="0"/>
-          </a:p>
-        </p:txBody>
-      </p:sp>
-      <p:sp>
-        <p:nvSpPr>
-          <p:cNvPr id="3" name="Content Placeholder 2">
-            <a:extLst>
-              <a:ext uri="{FF2B5EF4-FFF2-40B4-BE49-F238E27FC236}">
-                <a16:creationId xmlns:a16="http://schemas.microsoft.com/office/drawing/2014/main" id="{229384CE-97F7-4DE4-B933-86E336BDFB20}"/>
+          <a:bodyPr>
+            <a:normAutofit/>
+          </a:bodyPr>
+          <a:lstStyle/>
+          <a:p>
+            <a:r>
+              <a:rPr lang="en-US" sz="2400" dirty="0"/>
+              <a:t>The below plot show the average sales over a 3 years period</a:t>
+            </a:r>
+          </a:p>
+        </p:txBody>
+      </p:sp>
+      <p:sp>
+        <p:nvSpPr>
+          <p:cNvPr id="5" name="Content Placeholder 4">
+            <a:extLst>
+              <a:ext uri="{FF2B5EF4-FFF2-40B4-BE49-F238E27FC236}">
+                <a16:creationId xmlns:a16="http://schemas.microsoft.com/office/drawing/2014/main" id="{9D9E3F55-47F3-4D46-81BB-2035EE872AF0}"/>
               </a:ext>
             </a:extLst>
           </p:cNvPr>
@@ -4515,90 +5000,14 @@
           <a:bodyPr/>
           <a:lstStyle/>
           <a:p>
-            <a:pPr marL="285750" indent="-285750">
-              <a:buFont typeface="Arial" panose="020B0604020202020204" pitchFamily="34" charset="0"/>
-              <a:buChar char="•"/>
-            </a:pPr>
-            <a:r>
-              <a:rPr lang="en-US" sz="2800" dirty="0">
-                <a:latin typeface="Calibri" panose="020F0502020204030204" pitchFamily="34" charset="0"/>
-                <a:cs typeface="Times New Roman" panose="02020603050405020304" pitchFamily="18" charset="0"/>
-              </a:rPr>
-              <a:t>We pull data from census.gov. </a:t>
-            </a:r>
-          </a:p>
-          <a:p>
-            <a:pPr marL="285750" indent="-285750">
-              <a:buFont typeface="Arial" panose="020B0604020202020204" pitchFamily="34" charset="0"/>
-              <a:buChar char="•"/>
-            </a:pPr>
-            <a:r>
-              <a:rPr lang="en-US" sz="2800" dirty="0">
-                <a:latin typeface="Calibri" panose="020F0502020204030204" pitchFamily="34" charset="0"/>
-                <a:cs typeface="Times New Roman" panose="02020603050405020304" pitchFamily="18" charset="0"/>
-              </a:rPr>
-              <a:t>Clean the data dropped null.</a:t>
-            </a:r>
-          </a:p>
-          <a:p>
-            <a:pPr marL="285750" indent="-285750">
-              <a:buFont typeface="Arial" panose="020B0604020202020204" pitchFamily="34" charset="0"/>
-              <a:buChar char="•"/>
-            </a:pPr>
-            <a:r>
-              <a:rPr lang="en-US" sz="2800" dirty="0">
-                <a:latin typeface="Calibri" panose="020F0502020204030204" pitchFamily="34" charset="0"/>
-                <a:cs typeface="Times New Roman" panose="02020603050405020304" pitchFamily="18" charset="0"/>
-              </a:rPr>
-              <a:t>The data was separated to pre and post pandemic timeframe.</a:t>
-            </a:r>
-          </a:p>
-          <a:p>
-            <a:pPr marL="285750" indent="-285750">
-              <a:buFont typeface="Arial" panose="020B0604020202020204" pitchFamily="34" charset="0"/>
-              <a:buChar char="•"/>
-            </a:pPr>
-            <a:r>
-              <a:rPr lang="en-US" dirty="0">
-                <a:latin typeface="Calibri" panose="020F0502020204030204" pitchFamily="34" charset="0"/>
-                <a:cs typeface="Times New Roman" panose="02020603050405020304" pitchFamily="18" charset="0"/>
-              </a:rPr>
-              <a:t>Then ran analysis on the data,</a:t>
-            </a:r>
-            <a:r>
-              <a:rPr lang="en-US" sz="2800" dirty="0">
-                <a:latin typeface="Calibri" panose="020F0502020204030204" pitchFamily="34" charset="0"/>
-                <a:cs typeface="Times New Roman" panose="02020603050405020304" pitchFamily="18" charset="0"/>
-              </a:rPr>
-              <a:t> by calculating the mean , standard deviation and also perform correlation analysis to verify if the pandemic in fact affect retail as a whole .</a:t>
-            </a:r>
-          </a:p>
-          <a:p>
-            <a:pPr marL="285750" indent="-285750">
-              <a:buFont typeface="Arial" panose="020B0604020202020204" pitchFamily="34" charset="0"/>
-              <a:buChar char="•"/>
-            </a:pPr>
-            <a:r>
-              <a:rPr lang="en-US" dirty="0">
-                <a:latin typeface="Calibri" panose="020F0502020204030204" pitchFamily="34" charset="0"/>
-                <a:cs typeface="Times New Roman" panose="02020603050405020304" pitchFamily="18" charset="0"/>
-              </a:rPr>
-              <a:t>Read file to an output clean folder.</a:t>
-            </a:r>
-            <a:endParaRPr lang="en-US" sz="2800" dirty="0">
-              <a:latin typeface="Calibri" panose="020F0502020204030204" pitchFamily="34" charset="0"/>
-              <a:cs typeface="Times New Roman" panose="02020603050405020304" pitchFamily="18" charset="0"/>
-            </a:endParaRPr>
-          </a:p>
-          <a:p>
-            <a:endParaRPr lang="en-US" dirty="0"/>
+            <a:endParaRPr lang="en-US"/>
           </a:p>
         </p:txBody>
       </p:sp>
     </p:spTree>
     <p:extLst>
       <p:ext uri="{BB962C8B-B14F-4D97-AF65-F5344CB8AC3E}">
-        <p14:creationId xmlns:p14="http://schemas.microsoft.com/office/powerpoint/2010/main" val="2034420460"/>
+        <p14:creationId xmlns:p14="http://schemas.microsoft.com/office/powerpoint/2010/main" val="1114407270"/>
       </p:ext>
     </p:extLst>
   </p:cSld>
@@ -4625,12 +5034,84 @@
           <a:chExt cx="0" cy="0"/>
         </a:xfrm>
       </p:grpSpPr>
-      <p:sp>
-        <p:nvSpPr>
-          <p:cNvPr id="4" name="Title 3">
-            <a:extLst>
-              <a:ext uri="{FF2B5EF4-FFF2-40B4-BE49-F238E27FC236}">
-                <a16:creationId xmlns:a16="http://schemas.microsoft.com/office/drawing/2014/main" id="{B266767C-29B0-4958-B4D3-789B46348ED0}"/>
+      <p:pic>
+        <p:nvPicPr>
+          <p:cNvPr id="3" name="Picture 2">
+            <a:extLst>
+              <a:ext uri="{FF2B5EF4-FFF2-40B4-BE49-F238E27FC236}">
+                <a16:creationId xmlns:a16="http://schemas.microsoft.com/office/drawing/2014/main" id="{C3306D17-3BB1-4148-9A83-2C3B4BA48923}"/>
+              </a:ext>
+            </a:extLst>
+          </p:cNvPr>
+          <p:cNvPicPr>
+            <a:picLocks noChangeAspect="1"/>
+          </p:cNvPicPr>
+          <p:nvPr/>
+        </p:nvPicPr>
+        <p:blipFill>
+          <a:blip r:embed="rId2">
+            <a:extLst>
+              <a:ext uri="{28A0092B-C50C-407E-A947-70E740481C1C}">
+                <a14:useLocalDpi xmlns:a14="http://schemas.microsoft.com/office/drawing/2010/main" val="0"/>
+              </a:ext>
+            </a:extLst>
+          </a:blip>
+          <a:stretch>
+            <a:fillRect/>
+          </a:stretch>
+        </p:blipFill>
+        <p:spPr>
+          <a:xfrm>
+            <a:off x="6349094" y="1534886"/>
+            <a:ext cx="3831770" cy="3429000"/>
+          </a:xfrm>
+          <a:prstGeom prst="rect">
+            <a:avLst/>
+          </a:prstGeom>
+        </p:spPr>
+      </p:pic>
+      <p:pic>
+        <p:nvPicPr>
+          <p:cNvPr id="7" name="Picture 6">
+            <a:extLst>
+              <a:ext uri="{FF2B5EF4-FFF2-40B4-BE49-F238E27FC236}">
+                <a16:creationId xmlns:a16="http://schemas.microsoft.com/office/drawing/2014/main" id="{347AD3B1-9F8C-46E2-9457-30C02629978C}"/>
+              </a:ext>
+            </a:extLst>
+          </p:cNvPr>
+          <p:cNvPicPr>
+            <a:picLocks noChangeAspect="1"/>
+          </p:cNvPicPr>
+          <p:nvPr/>
+        </p:nvPicPr>
+        <p:blipFill>
+          <a:blip r:embed="rId3">
+            <a:extLst>
+              <a:ext uri="{28A0092B-C50C-407E-A947-70E740481C1C}">
+                <a14:useLocalDpi xmlns:a14="http://schemas.microsoft.com/office/drawing/2010/main" val="0"/>
+              </a:ext>
+            </a:extLst>
+          </a:blip>
+          <a:stretch>
+            <a:fillRect/>
+          </a:stretch>
+        </p:blipFill>
+        <p:spPr>
+          <a:xfrm>
+            <a:off x="1815190" y="1534886"/>
+            <a:ext cx="4027717" cy="3429000"/>
+          </a:xfrm>
+          <a:prstGeom prst="rect">
+            <a:avLst/>
+          </a:prstGeom>
+        </p:spPr>
+      </p:pic>
+      <p:sp>
+        <p:nvSpPr>
+          <p:cNvPr id="2" name="Title 1">
+            <a:extLst>
+              <a:ext uri="{FF2B5EF4-FFF2-40B4-BE49-F238E27FC236}">
+                <a16:creationId xmlns:a16="http://schemas.microsoft.com/office/drawing/2014/main" id="{68B798D2-51DD-4ED2-BEA2-F3296485DEE3}"/>
               </a:ext>
             </a:extLst>
           </p:cNvPr>
@@ -4641,24 +5122,31 @@
             <p:ph type="title"/>
           </p:nvPr>
         </p:nvSpPr>
-        <p:spPr/>
-        <p:txBody>
-          <a:bodyPr/>
-          <a:lstStyle/>
-          <a:p>
-            <a:r>
-              <a:rPr lang="en-US" dirty="0"/>
-              <a:t>Result</a:t>
-            </a:r>
-          </a:p>
-        </p:txBody>
-      </p:sp>
-      <p:sp>
-        <p:nvSpPr>
-          <p:cNvPr id="5" name="Content Placeholder 4">
-            <a:extLst>
-              <a:ext uri="{FF2B5EF4-FFF2-40B4-BE49-F238E27FC236}">
-                <a16:creationId xmlns:a16="http://schemas.microsoft.com/office/drawing/2014/main" id="{C266E49F-F7CD-4E0E-B219-9F8A81D02A09}"/>
+        <p:spPr>
+          <a:xfrm>
+            <a:off x="930441" y="346241"/>
+            <a:ext cx="10423358" cy="669591"/>
+          </a:xfrm>
+        </p:spPr>
+        <p:txBody>
+          <a:bodyPr>
+            <a:normAutofit/>
+          </a:bodyPr>
+          <a:lstStyle/>
+          <a:p>
+            <a:r>
+              <a:rPr lang="en-US" sz="2400" dirty="0"/>
+              <a:t>The below plot show the change in sales during pre and post pandemic.</a:t>
+            </a:r>
+          </a:p>
+        </p:txBody>
+      </p:sp>
+      <p:sp>
+        <p:nvSpPr>
+          <p:cNvPr id="4" name="Content Placeholder 3">
+            <a:extLst>
+              <a:ext uri="{FF2B5EF4-FFF2-40B4-BE49-F238E27FC236}">
+                <a16:creationId xmlns:a16="http://schemas.microsoft.com/office/drawing/2014/main" id="{133B18F7-CB8C-4CDF-9F95-18E1A14AFC6E}"/>
               </a:ext>
             </a:extLst>
           </p:cNvPr>
@@ -4669,40 +5157,27 @@
             <p:ph idx="1"/>
           </p:nvPr>
         </p:nvSpPr>
-        <p:spPr/>
-        <p:txBody>
-          <a:bodyPr/>
-          <a:lstStyle/>
-          <a:p>
-            <a:r>
-              <a:rPr lang="en-US" dirty="0"/>
-              <a:t>Base on the above plot we could see that pandemic affected sale in every sector of retail</a:t>
-            </a:r>
-          </a:p>
-          <a:p>
-            <a:r>
-              <a:rPr lang="en-US" dirty="0"/>
-              <a:t>We can infer that at the height of pandemic which is march 2020 to April 2020 every area of retail took a hit due to lock down and restriction.</a:t>
-            </a:r>
-          </a:p>
-          <a:p>
-            <a:r>
-              <a:rPr lang="en-US" dirty="0"/>
-              <a:t>We can also see that as the retail sector start to pivot and transition to online sales gradually starts to incline. </a:t>
-            </a:r>
-          </a:p>
-          <a:p>
-            <a:r>
-              <a:rPr lang="en-US" dirty="0"/>
-              <a:t>During the analysis of the pre and post pandemic we could also see that section that have strong positive correlated remain the same and correlation change with sectors that are not </a:t>
-            </a:r>
+        <p:spPr>
+          <a:xfrm>
+            <a:off x="858252" y="1323474"/>
+            <a:ext cx="10495547" cy="4853489"/>
+          </a:xfrm>
+        </p:spPr>
+        <p:txBody>
+          <a:bodyPr/>
+          <a:lstStyle/>
+          <a:p>
+            <a:pPr marL="0" indent="0">
+              <a:buNone/>
+            </a:pPr>
+            <a:endParaRPr lang="en-US" dirty="0"/>
           </a:p>
         </p:txBody>
       </p:sp>
     </p:spTree>
     <p:extLst>
       <p:ext uri="{BB962C8B-B14F-4D97-AF65-F5344CB8AC3E}">
-        <p14:creationId xmlns:p14="http://schemas.microsoft.com/office/powerpoint/2010/main" val="1864078017"/>
+        <p14:creationId xmlns:p14="http://schemas.microsoft.com/office/powerpoint/2010/main" val="249356975"/>
       </p:ext>
     </p:extLst>
   </p:cSld>
@@ -4729,40 +5204,86 @@
           <a:chExt cx="0" cy="0"/>
         </a:xfrm>
       </p:grpSpPr>
-      <p:pic>
-        <p:nvPicPr>
-          <p:cNvPr id="3" name="Picture 2">
-            <a:extLst>
-              <a:ext uri="{FF2B5EF4-FFF2-40B4-BE49-F238E27FC236}">
-                <a16:creationId xmlns:a16="http://schemas.microsoft.com/office/drawing/2014/main" id="{8F98813E-2A2E-4C4E-B3F7-09DE39DC0A21}"/>
-              </a:ext>
-            </a:extLst>
-          </p:cNvPr>
-          <p:cNvPicPr>
-            <a:picLocks noChangeAspect="1"/>
-          </p:cNvPicPr>
-          <p:nvPr/>
-        </p:nvPicPr>
-        <p:blipFill>
-          <a:blip r:embed="rId2"/>
-          <a:stretch>
-            <a:fillRect/>
-          </a:stretch>
-        </p:blipFill>
-        <p:spPr>
-          <a:xfrm>
-            <a:off x="2117558" y="1373465"/>
-            <a:ext cx="7603958" cy="4977344"/>
-          </a:xfrm>
-          <a:prstGeom prst="rect">
-            <a:avLst/>
-          </a:prstGeom>
-        </p:spPr>
-      </p:pic>
+      <p:sp>
+        <p:nvSpPr>
+          <p:cNvPr id="4" name="Title 3">
+            <a:extLst>
+              <a:ext uri="{FF2B5EF4-FFF2-40B4-BE49-F238E27FC236}">
+                <a16:creationId xmlns:a16="http://schemas.microsoft.com/office/drawing/2014/main" id="{B266767C-29B0-4958-B4D3-789B46348ED0}"/>
+              </a:ext>
+            </a:extLst>
+          </p:cNvPr>
+          <p:cNvSpPr>
+            <a:spLocks noGrp="1"/>
+          </p:cNvSpPr>
+          <p:nvPr>
+            <p:ph type="title"/>
+          </p:nvPr>
+        </p:nvSpPr>
+        <p:spPr/>
+        <p:txBody>
+          <a:bodyPr/>
+          <a:lstStyle/>
+          <a:p>
+            <a:r>
+              <a:rPr lang="en-US" dirty="0"/>
+              <a:t>Result</a:t>
+            </a:r>
+          </a:p>
+        </p:txBody>
+      </p:sp>
+      <p:sp>
+        <p:nvSpPr>
+          <p:cNvPr id="5" name="Content Placeholder 4">
+            <a:extLst>
+              <a:ext uri="{FF2B5EF4-FFF2-40B4-BE49-F238E27FC236}">
+                <a16:creationId xmlns:a16="http://schemas.microsoft.com/office/drawing/2014/main" id="{C266E49F-F7CD-4E0E-B219-9F8A81D02A09}"/>
+              </a:ext>
+            </a:extLst>
+          </p:cNvPr>
+          <p:cNvSpPr>
+            <a:spLocks noGrp="1"/>
+          </p:cNvSpPr>
+          <p:nvPr>
+            <p:ph idx="1"/>
+          </p:nvPr>
+        </p:nvSpPr>
+        <p:spPr/>
+        <p:txBody>
+          <a:bodyPr>
+            <a:normAutofit/>
+          </a:bodyPr>
+          <a:lstStyle/>
+          <a:p>
+            <a:r>
+              <a:rPr lang="en-US" sz="1800" dirty="0"/>
+              <a:t>Base on the above plot we could see that pandemic affected sale in every sector of retail</a:t>
+            </a:r>
+          </a:p>
+          <a:p>
+            <a:r>
+              <a:rPr lang="en-US" sz="1800" dirty="0"/>
+              <a:t>We can infer that at the height of pandemic which is march 2020 to April 2020 every area of retail took a hit due to lock down and restriction.</a:t>
+            </a:r>
+          </a:p>
+          <a:p>
+            <a:r>
+              <a:rPr lang="en-US" sz="1800" dirty="0"/>
+              <a:t>We can also see that as the retail sector start to pivot to online, sales gradually starts to increase. </a:t>
+            </a:r>
+          </a:p>
+          <a:p>
+            <a:r>
+              <a:rPr lang="en-US" sz="1800" dirty="0"/>
+              <a:t>During the analysis of the pre and post pandemic we could also see that section that have strong positive correlated remain the same and correlation change with sectors that are not correlated prior to pandemic.</a:t>
+            </a:r>
+          </a:p>
+        </p:txBody>
+      </p:sp>
     </p:spTree>
     <p:extLst>
       <p:ext uri="{BB962C8B-B14F-4D97-AF65-F5344CB8AC3E}">
-        <p14:creationId xmlns:p14="http://schemas.microsoft.com/office/powerpoint/2010/main" val="1114407270"/>
+        <p14:creationId xmlns:p14="http://schemas.microsoft.com/office/powerpoint/2010/main" val="1864078017"/>
       </p:ext>
     </p:extLst>
   </p:cSld>
@@ -4789,12 +5310,72 @@
           <a:chExt cx="0" cy="0"/>
         </a:xfrm>
       </p:grpSpPr>
+      <p:sp>
+        <p:nvSpPr>
+          <p:cNvPr id="2" name="Title 1">
+            <a:extLst>
+              <a:ext uri="{FF2B5EF4-FFF2-40B4-BE49-F238E27FC236}">
+                <a16:creationId xmlns:a16="http://schemas.microsoft.com/office/drawing/2014/main" id="{118B59A2-7936-47CC-A48E-D0712986D2BA}"/>
+              </a:ext>
+            </a:extLst>
+          </p:cNvPr>
+          <p:cNvSpPr>
+            <a:spLocks noGrp="1"/>
+          </p:cNvSpPr>
+          <p:nvPr>
+            <p:ph type="title"/>
+          </p:nvPr>
+        </p:nvSpPr>
+        <p:spPr>
+          <a:xfrm>
+            <a:off x="906378" y="365126"/>
+            <a:ext cx="10447421" cy="894180"/>
+          </a:xfrm>
+        </p:spPr>
+        <p:txBody>
+          <a:bodyPr>
+            <a:normAutofit/>
+          </a:bodyPr>
+          <a:lstStyle/>
+          <a:p>
+            <a:r>
+              <a:rPr lang="en-US" sz="2400" dirty="0"/>
+              <a:t>The below plot shows the monthly sale by department store </a:t>
+            </a:r>
+          </a:p>
+        </p:txBody>
+      </p:sp>
+      <p:sp>
+        <p:nvSpPr>
+          <p:cNvPr id="3" name="Content Placeholder 2">
+            <a:extLst>
+              <a:ext uri="{FF2B5EF4-FFF2-40B4-BE49-F238E27FC236}">
+                <a16:creationId xmlns:a16="http://schemas.microsoft.com/office/drawing/2014/main" id="{960F2FA3-C353-4FDA-B1D8-ACE10D1A7C85}"/>
+              </a:ext>
+            </a:extLst>
+          </p:cNvPr>
+          <p:cNvSpPr>
+            <a:spLocks noGrp="1"/>
+          </p:cNvSpPr>
+          <p:nvPr>
+            <p:ph idx="1"/>
+          </p:nvPr>
+        </p:nvSpPr>
+        <p:spPr/>
+        <p:txBody>
+          <a:bodyPr/>
+          <a:lstStyle/>
+          <a:p>
+            <a:endParaRPr lang="en-US" dirty="0"/>
+          </a:p>
+        </p:txBody>
+      </p:sp>
       <p:pic>
         <p:nvPicPr>
-          <p:cNvPr id="3" name="Picture 2">
-            <a:extLst>
-              <a:ext uri="{FF2B5EF4-FFF2-40B4-BE49-F238E27FC236}">
-                <a16:creationId xmlns:a16="http://schemas.microsoft.com/office/drawing/2014/main" id="{C3306D17-3BB1-4148-9A83-2C3B4BA48923}"/>
+          <p:cNvPr id="7" name="Picture 6">
+            <a:extLst>
+              <a:ext uri="{FF2B5EF4-FFF2-40B4-BE49-F238E27FC236}">
+                <a16:creationId xmlns:a16="http://schemas.microsoft.com/office/drawing/2014/main" id="{4AC49C0C-9004-4B5B-9A49-EC279D3765A3}"/>
               </a:ext>
             </a:extLst>
           </p:cNvPr>
@@ -4804,57 +5385,15 @@
           <p:nvPr/>
         </p:nvPicPr>
         <p:blipFill>
-          <a:blip r:embed="rId2">
-            <a:extLst>
-              <a:ext uri="{28A0092B-C50C-407E-A947-70E740481C1C}">
-                <a14:useLocalDpi xmlns:a14="http://schemas.microsoft.com/office/drawing/2010/main" val="0"/>
-              </a:ext>
-            </a:extLst>
-          </a:blip>
+          <a:blip r:embed="rId2"/>
           <a:stretch>
             <a:fillRect/>
           </a:stretch>
         </p:blipFill>
         <p:spPr>
           <a:xfrm>
-            <a:off x="6349094" y="1534886"/>
-            <a:ext cx="3831770" cy="3429000"/>
-          </a:xfrm>
-          <a:prstGeom prst="rect">
-            <a:avLst/>
-          </a:prstGeom>
-        </p:spPr>
-      </p:pic>
-      <p:pic>
-        <p:nvPicPr>
-          <p:cNvPr id="7" name="Picture 6">
-            <a:extLst>
-              <a:ext uri="{FF2B5EF4-FFF2-40B4-BE49-F238E27FC236}">
-                <a16:creationId xmlns:a16="http://schemas.microsoft.com/office/drawing/2014/main" id="{347AD3B1-9F8C-46E2-9457-30C02629978C}"/>
-              </a:ext>
-            </a:extLst>
-          </p:cNvPr>
-          <p:cNvPicPr>
-            <a:picLocks noChangeAspect="1"/>
-          </p:cNvPicPr>
-          <p:nvPr/>
-        </p:nvPicPr>
-        <p:blipFill>
-          <a:blip r:embed="rId3">
-            <a:extLst>
-              <a:ext uri="{28A0092B-C50C-407E-A947-70E740481C1C}">
-                <a14:useLocalDpi xmlns:a14="http://schemas.microsoft.com/office/drawing/2010/main" val="0"/>
-              </a:ext>
-            </a:extLst>
-          </a:blip>
-          <a:stretch>
-            <a:fillRect/>
-          </a:stretch>
-        </p:blipFill>
-        <p:spPr>
-          <a:xfrm>
-            <a:off x="1532162" y="1534886"/>
-            <a:ext cx="4027717" cy="3429000"/>
+            <a:off x="3320966" y="2633663"/>
+            <a:ext cx="4619625" cy="3543300"/>
           </a:xfrm>
           <a:prstGeom prst="rect">
             <a:avLst/>
@@ -4864,7 +5403,7 @@
     </p:spTree>
     <p:extLst>
       <p:ext uri="{BB962C8B-B14F-4D97-AF65-F5344CB8AC3E}">
-        <p14:creationId xmlns:p14="http://schemas.microsoft.com/office/powerpoint/2010/main" val="249356975"/>
+        <p14:creationId xmlns:p14="http://schemas.microsoft.com/office/powerpoint/2010/main" val="3108446970"/>
       </p:ext>
     </p:extLst>
   </p:cSld>
